--- a/docs/SprintDemo/FinalPresentation.pptx
+++ b/docs/SprintDemo/FinalPresentation.pptx
@@ -3455,7 +3455,7 @@
                 </a:solidFill>
                 <a:latin typeface="Acumin Pro Wide Thin" panose="020B0205020202020204" pitchFamily="34" charset="0"/>
               </a:rPr>
-              <a:t>SPRINT DEMO</a:t>
+              <a:t>FINAL PRESENTATION</a:t>
             </a:r>
             <a:endParaRPr lang="en-NL" sz="8000" dirty="0">
               <a:solidFill>

--- a/docs/SprintDemo/FinalPresentation.pptx
+++ b/docs/SprintDemo/FinalPresentation.pptx
@@ -5,17 +5,18 @@
     <p:sldMasterId id="2147483648" r:id="rId1"/>
   </p:sldMasterIdLst>
   <p:sldIdLst>
-    <p:sldId id="256" r:id="rId2"/>
-    <p:sldId id="257" r:id="rId3"/>
-    <p:sldId id="260" r:id="rId4"/>
-    <p:sldId id="261" r:id="rId5"/>
-    <p:sldId id="262" r:id="rId6"/>
-    <p:sldId id="263" r:id="rId7"/>
-    <p:sldId id="265" r:id="rId8"/>
-    <p:sldId id="266" r:id="rId9"/>
-    <p:sldId id="267" r:id="rId10"/>
-    <p:sldId id="268" r:id="rId11"/>
-    <p:sldId id="269" r:id="rId12"/>
+    <p:sldId id="278" r:id="rId2"/>
+    <p:sldId id="283" r:id="rId3"/>
+    <p:sldId id="273" r:id="rId4"/>
+    <p:sldId id="274" r:id="rId5"/>
+    <p:sldId id="275" r:id="rId6"/>
+    <p:sldId id="281" r:id="rId7"/>
+    <p:sldId id="276" r:id="rId8"/>
+    <p:sldId id="263" r:id="rId9"/>
+    <p:sldId id="279" r:id="rId10"/>
+    <p:sldId id="277" r:id="rId11"/>
+    <p:sldId id="280" r:id="rId12"/>
+    <p:sldId id="282" r:id="rId13"/>
   </p:sldIdLst>
   <p:sldSz cx="12192000" cy="6858000"/>
   <p:notesSz cx="6858000" cy="9144000"/>
@@ -271,7 +272,7 @@
           <a:p>
             <a:fld id="{43FF9DD1-E764-4DA0-88A8-A8436349F990}" type="datetimeFigureOut">
               <a:rPr lang="en-NL" smtClean="0"/>
-              <a:t>12/06/2020</a:t>
+              <a:t>17/06/2020</a:t>
             </a:fld>
             <a:endParaRPr lang="en-NL"/>
           </a:p>
@@ -471,7 +472,7 @@
           <a:p>
             <a:fld id="{43FF9DD1-E764-4DA0-88A8-A8436349F990}" type="datetimeFigureOut">
               <a:rPr lang="en-NL" smtClean="0"/>
-              <a:t>12/06/2020</a:t>
+              <a:t>17/06/2020</a:t>
             </a:fld>
             <a:endParaRPr lang="en-NL"/>
           </a:p>
@@ -681,7 +682,7 @@
           <a:p>
             <a:fld id="{43FF9DD1-E764-4DA0-88A8-A8436349F990}" type="datetimeFigureOut">
               <a:rPr lang="en-NL" smtClean="0"/>
-              <a:t>12/06/2020</a:t>
+              <a:t>17/06/2020</a:t>
             </a:fld>
             <a:endParaRPr lang="en-NL"/>
           </a:p>
@@ -881,7 +882,7 @@
           <a:p>
             <a:fld id="{43FF9DD1-E764-4DA0-88A8-A8436349F990}" type="datetimeFigureOut">
               <a:rPr lang="en-NL" smtClean="0"/>
-              <a:t>12/06/2020</a:t>
+              <a:t>17/06/2020</a:t>
             </a:fld>
             <a:endParaRPr lang="en-NL"/>
           </a:p>
@@ -1157,7 +1158,7 @@
           <a:p>
             <a:fld id="{43FF9DD1-E764-4DA0-88A8-A8436349F990}" type="datetimeFigureOut">
               <a:rPr lang="en-NL" smtClean="0"/>
-              <a:t>12/06/2020</a:t>
+              <a:t>17/06/2020</a:t>
             </a:fld>
             <a:endParaRPr lang="en-NL"/>
           </a:p>
@@ -1425,7 +1426,7 @@
           <a:p>
             <a:fld id="{43FF9DD1-E764-4DA0-88A8-A8436349F990}" type="datetimeFigureOut">
               <a:rPr lang="en-NL" smtClean="0"/>
-              <a:t>12/06/2020</a:t>
+              <a:t>17/06/2020</a:t>
             </a:fld>
             <a:endParaRPr lang="en-NL"/>
           </a:p>
@@ -1840,7 +1841,7 @@
           <a:p>
             <a:fld id="{43FF9DD1-E764-4DA0-88A8-A8436349F990}" type="datetimeFigureOut">
               <a:rPr lang="en-NL" smtClean="0"/>
-              <a:t>12/06/2020</a:t>
+              <a:t>17/06/2020</a:t>
             </a:fld>
             <a:endParaRPr lang="en-NL"/>
           </a:p>
@@ -1982,7 +1983,7 @@
           <a:p>
             <a:fld id="{43FF9DD1-E764-4DA0-88A8-A8436349F990}" type="datetimeFigureOut">
               <a:rPr lang="en-NL" smtClean="0"/>
-              <a:t>12/06/2020</a:t>
+              <a:t>17/06/2020</a:t>
             </a:fld>
             <a:endParaRPr lang="en-NL"/>
           </a:p>
@@ -2095,7 +2096,7 @@
           <a:p>
             <a:fld id="{43FF9DD1-E764-4DA0-88A8-A8436349F990}" type="datetimeFigureOut">
               <a:rPr lang="en-NL" smtClean="0"/>
-              <a:t>12/06/2020</a:t>
+              <a:t>17/06/2020</a:t>
             </a:fld>
             <a:endParaRPr lang="en-NL"/>
           </a:p>
@@ -2408,7 +2409,7 @@
           <a:p>
             <a:fld id="{43FF9DD1-E764-4DA0-88A8-A8436349F990}" type="datetimeFigureOut">
               <a:rPr lang="en-NL" smtClean="0"/>
-              <a:t>12/06/2020</a:t>
+              <a:t>17/06/2020</a:t>
             </a:fld>
             <a:endParaRPr lang="en-NL"/>
           </a:p>
@@ -2697,7 +2698,7 @@
           <a:p>
             <a:fld id="{43FF9DD1-E764-4DA0-88A8-A8436349F990}" type="datetimeFigureOut">
               <a:rPr lang="en-NL" smtClean="0"/>
-              <a:t>12/06/2020</a:t>
+              <a:t>17/06/2020</a:t>
             </a:fld>
             <a:endParaRPr lang="en-NL"/>
           </a:p>
@@ -2940,7 +2941,7 @@
           <a:p>
             <a:fld id="{43FF9DD1-E764-4DA0-88A8-A8436349F990}" type="datetimeFigureOut">
               <a:rPr lang="en-NL" smtClean="0"/>
-              <a:t>12/06/2020</a:t>
+              <a:t>17/06/2020</a:t>
             </a:fld>
             <a:endParaRPr lang="en-NL"/>
           </a:p>
@@ -3343,20 +3344,6 @@
 <file path=ppt/slides/slide1.xml><?xml version="1.0" encoding="utf-8"?>
 <p:sld xmlns:a="http://schemas.openxmlformats.org/drawingml/2006/main" xmlns:r="http://schemas.openxmlformats.org/officeDocument/2006/relationships" xmlns:p="http://schemas.openxmlformats.org/presentationml/2006/main">
   <p:cSld>
-    <p:bg>
-      <p:bgPr>
-        <a:blipFill dpi="0" rotWithShape="1">
-          <a:blip r:embed="rId2">
-            <a:lum/>
-          </a:blip>
-          <a:srcRect/>
-          <a:stretch>
-            <a:fillRect t="-9000" b="-9000"/>
-          </a:stretch>
-        </a:blipFill>
-        <a:effectLst/>
-      </p:bgPr>
-    </p:bg>
     <p:spTree>
       <p:nvGrpSpPr>
         <p:cNvPr id="1" name=""/>
@@ -3371,97 +3358,116 @@
           <a:chExt cx="0" cy="0"/>
         </a:xfrm>
       </p:grpSpPr>
-      <p:sp>
-        <p:nvSpPr>
-          <p:cNvPr id="2" name="Title 1">
-            <a:extLst>
-              <a:ext uri="{FF2B5EF4-FFF2-40B4-BE49-F238E27FC236}">
-                <a16:creationId xmlns:a16="http://schemas.microsoft.com/office/drawing/2014/main" id="{82BA0DAD-99CE-414B-A8D1-F936FD66C5C4}"/>
-              </a:ext>
-            </a:extLst>
-          </p:cNvPr>
-          <p:cNvSpPr>
-            <a:spLocks noGrp="1"/>
-          </p:cNvSpPr>
-          <p:nvPr>
-            <p:ph type="ctrTitle"/>
-          </p:nvPr>
+      <p:pic>
+        <p:nvPicPr>
+          <p:cNvPr id="4098" name="Picture 2" descr="Airios I We build for comfort I Home">
+            <a:extLst>
+              <a:ext uri="{FF2B5EF4-FFF2-40B4-BE49-F238E27FC236}">
+                <a16:creationId xmlns:a16="http://schemas.microsoft.com/office/drawing/2014/main" id="{3BAB7100-76E7-454F-864A-887278CCF327}"/>
+              </a:ext>
+            </a:extLst>
+          </p:cNvPr>
+          <p:cNvPicPr>
+            <a:picLocks noChangeAspect="1" noChangeArrowheads="1"/>
+          </p:cNvPicPr>
+          <p:nvPr/>
+        </p:nvPicPr>
+        <p:blipFill>
+          <a:blip r:embed="rId2">
+            <a:extLst>
+              <a:ext uri="{28A0092B-C50C-407E-A947-70E740481C1C}">
+                <a14:useLocalDpi xmlns:a14="http://schemas.microsoft.com/office/drawing/2010/main" val="0"/>
+              </a:ext>
+            </a:extLst>
+          </a:blip>
+          <a:srcRect/>
+          <a:stretch>
+            <a:fillRect/>
+          </a:stretch>
+        </p:blipFill>
+        <p:spPr bwMode="auto">
+          <a:xfrm>
+            <a:off x="1586204" y="0"/>
+            <a:ext cx="9019592" cy="4735286"/>
+          </a:xfrm>
+          <a:prstGeom prst="rect">
+            <a:avLst/>
+          </a:prstGeom>
+          <a:noFill/>
+          <a:extLst>
+            <a:ext uri="{909E8E84-426E-40DD-AFC4-6F175D3DCCD1}">
+              <a14:hiddenFill xmlns:a14="http://schemas.microsoft.com/office/drawing/2010/main">
+                <a:solidFill>
+                  <a:srgbClr val="FFFFFF"/>
+                </a:solidFill>
+              </a14:hiddenFill>
+            </a:ext>
+          </a:extLst>
+        </p:spPr>
+      </p:pic>
+      <p:sp>
+        <p:nvSpPr>
+          <p:cNvPr id="5" name="TextBox 4">
+            <a:extLst>
+              <a:ext uri="{FF2B5EF4-FFF2-40B4-BE49-F238E27FC236}">
+                <a16:creationId xmlns:a16="http://schemas.microsoft.com/office/drawing/2014/main" id="{35D021C1-7E5A-4600-8568-D2CB7338E635}"/>
+              </a:ext>
+            </a:extLst>
+          </p:cNvPr>
+          <p:cNvSpPr txBox="1"/>
+          <p:nvPr/>
         </p:nvSpPr>
         <p:spPr>
           <a:xfrm>
-            <a:off x="1859902" y="2491273"/>
-            <a:ext cx="8472196" cy="1875453"/>
+            <a:off x="3554278" y="3746931"/>
+            <a:ext cx="5083444" cy="1200329"/>
           </a:xfrm>
-          <a:solidFill>
-            <a:schemeClr val="bg1">
-              <a:lumMod val="95000"/>
-              <a:alpha val="30000"/>
-            </a:schemeClr>
-          </a:solidFill>
-          <a:ln>
-            <a:solidFill>
-              <a:schemeClr val="tx1"/>
-            </a:solidFill>
-          </a:ln>
-          <a:effectLst>
-            <a:outerShdw blurRad="50800" dist="38100" dir="2700000" algn="tl" rotWithShape="0">
-              <a:prstClr val="black">
-                <a:alpha val="40000"/>
-              </a:prstClr>
-            </a:outerShdw>
-          </a:effectLst>
+          <a:prstGeom prst="rect">
+            <a:avLst/>
+          </a:prstGeom>
+          <a:noFill/>
         </p:spPr>
-        <p:style>
-          <a:lnRef idx="3">
-            <a:schemeClr val="lt1"/>
-          </a:lnRef>
-          <a:fillRef idx="1">
-            <a:schemeClr val="dk1"/>
-          </a:fillRef>
-          <a:effectRef idx="1">
-            <a:schemeClr val="dk1"/>
-          </a:effectRef>
-          <a:fontRef idx="minor">
-            <a:schemeClr val="lt1"/>
-          </a:fontRef>
-        </p:style>
-        <p:txBody>
-          <a:bodyPr>
-            <a:normAutofit fontScale="90000"/>
+        <p:txBody>
+          <a:bodyPr wrap="none" rtlCol="0">
+            <a:spAutoFit/>
           </a:bodyPr>
           <a:lstStyle/>
           <a:p>
-            <a:r>
-              <a:rPr lang="en-GB" sz="7300" dirty="0">
-                <a:solidFill>
-                  <a:schemeClr val="tx1"/>
-                </a:solidFill>
-                <a:latin typeface="Acumin Pro Wide Thin" panose="020B0205020202020204" pitchFamily="34" charset="0"/>
+            <a:pPr algn="ctr"/>
+            <a:r>
+              <a:rPr lang="en-GB" sz="3600" b="1" dirty="0">
+                <a:latin typeface="Arial" panose="020B0604020202020204" pitchFamily="34" charset="0"/>
+                <a:cs typeface="Arial" panose="020B0604020202020204" pitchFamily="34" charset="0"/>
               </a:rPr>
-              <a:t>FIRST AIRBENDERS</a:t>
-            </a:r>
-            <a:br>
-              <a:rPr lang="en-GB" sz="8000" dirty="0">
-                <a:solidFill>
-                  <a:schemeClr val="tx1"/>
-                </a:solidFill>
-                <a:latin typeface="Acumin Pro Wide Thin" panose="020B0205020202020204" pitchFamily="34" charset="0"/>
+              <a:t>Comfort Home Project</a:t>
+            </a:r>
+          </a:p>
+          <a:p>
+            <a:pPr algn="ctr"/>
+            <a:r>
+              <a:rPr lang="en-GB" sz="3600" b="1" dirty="0">
+                <a:latin typeface="Arial" panose="020B0604020202020204" pitchFamily="34" charset="0"/>
+                <a:cs typeface="Arial" panose="020B0604020202020204" pitchFamily="34" charset="0"/>
               </a:rPr>
-            </a:br>
-            <a:r>
-              <a:rPr lang="en-GB" sz="4400" dirty="0">
-                <a:solidFill>
-                  <a:schemeClr val="tx1"/>
-                </a:solidFill>
-                <a:latin typeface="Acumin Pro Wide Thin" panose="020B0205020202020204" pitchFamily="34" charset="0"/>
+              <a:t>2</a:t>
+            </a:r>
+            <a:r>
+              <a:rPr lang="en-GB" sz="3600" b="1" baseline="30000" dirty="0">
+                <a:latin typeface="Arial" panose="020B0604020202020204" pitchFamily="34" charset="0"/>
+                <a:cs typeface="Arial" panose="020B0604020202020204" pitchFamily="34" charset="0"/>
               </a:rPr>
-              <a:t>FINAL PRESENTATION</a:t>
-            </a:r>
-            <a:endParaRPr lang="en-NL" sz="8000" dirty="0">
-              <a:solidFill>
-                <a:schemeClr val="tx1"/>
-              </a:solidFill>
-              <a:latin typeface="Acumin Pro Wide Thin" panose="020B0205020202020204" pitchFamily="34" charset="0"/>
+              <a:t>nd</a:t>
+            </a:r>
+            <a:r>
+              <a:rPr lang="en-GB" sz="3600" b="1" dirty="0">
+                <a:latin typeface="Arial" panose="020B0604020202020204" pitchFamily="34" charset="0"/>
+                <a:cs typeface="Arial" panose="020B0604020202020204" pitchFamily="34" charset="0"/>
+              </a:rPr>
+              <a:t> Semester project</a:t>
+            </a:r>
+            <a:endParaRPr lang="en-NL" sz="3600" b="1" dirty="0">
+              <a:latin typeface="Arial" panose="020B0604020202020204" pitchFamily="34" charset="0"/>
+              <a:cs typeface="Arial" panose="020B0604020202020204" pitchFamily="34" charset="0"/>
             </a:endParaRPr>
           </a:p>
         </p:txBody>
@@ -3469,34 +3475,20 @@
     </p:spTree>
     <p:extLst>
       <p:ext uri="{BB962C8B-B14F-4D97-AF65-F5344CB8AC3E}">
-        <p14:creationId xmlns:p14="http://schemas.microsoft.com/office/powerpoint/2010/main" val="4160251452"/>
+        <p14:creationId xmlns:p14="http://schemas.microsoft.com/office/powerpoint/2010/main" val="20649892"/>
       </p:ext>
     </p:extLst>
   </p:cSld>
   <p:clrMapOvr>
     <a:masterClrMapping/>
   </p:clrMapOvr>
+  <p:transition/>
 </p:sld>
 </file>
 
 <file path=ppt/slides/slide10.xml><?xml version="1.0" encoding="utf-8"?>
 <p:sld xmlns:a="http://schemas.openxmlformats.org/drawingml/2006/main" xmlns:r="http://schemas.openxmlformats.org/officeDocument/2006/relationships" xmlns:p="http://schemas.openxmlformats.org/presentationml/2006/main">
   <p:cSld>
-    <p:bg>
-      <p:bgPr>
-        <a:blipFill dpi="0" rotWithShape="1">
-          <a:blip r:embed="rId2">
-            <a:alphaModFix amt="50000"/>
-            <a:lum/>
-          </a:blip>
-          <a:srcRect/>
-          <a:stretch>
-            <a:fillRect t="-9000" b="-9000"/>
-          </a:stretch>
-        </a:blipFill>
-        <a:effectLst/>
-      </p:bgPr>
-    </p:bg>
     <p:spTree>
       <p:nvGrpSpPr>
         <p:cNvPr id="1" name=""/>
@@ -3511,34 +3503,74 @@
           <a:chExt cx="0" cy="0"/>
         </a:xfrm>
       </p:grpSpPr>
-      <p:sp>
-        <p:nvSpPr>
-          <p:cNvPr id="6" name="TextBox 5">
-            <a:extLst>
-              <a:ext uri="{FF2B5EF4-FFF2-40B4-BE49-F238E27FC236}">
-                <a16:creationId xmlns:a16="http://schemas.microsoft.com/office/drawing/2014/main" id="{36187531-5956-4211-BD01-9B7650C16510}"/>
-              </a:ext>
-            </a:extLst>
-          </p:cNvPr>
-          <p:cNvSpPr txBox="1"/>
+      <p:pic>
+        <p:nvPicPr>
+          <p:cNvPr id="3074" name="Picture 2" descr="Airios I We build for comfort I Home">
+            <a:extLst>
+              <a:ext uri="{FF2B5EF4-FFF2-40B4-BE49-F238E27FC236}">
+                <a16:creationId xmlns:a16="http://schemas.microsoft.com/office/drawing/2014/main" id="{F04C1FE4-1909-40A5-ACBF-EBDA761AC14D}"/>
+              </a:ext>
+            </a:extLst>
+          </p:cNvPr>
+          <p:cNvPicPr>
+            <a:picLocks noChangeAspect="1" noChangeArrowheads="1"/>
+          </p:cNvPicPr>
           <p:nvPr/>
-        </p:nvSpPr>
-        <p:spPr>
+        </p:nvPicPr>
+        <p:blipFill>
+          <a:blip r:embed="rId2">
+            <a:extLst>
+              <a:ext uri="{28A0092B-C50C-407E-A947-70E740481C1C}">
+                <a14:useLocalDpi xmlns:a14="http://schemas.microsoft.com/office/drawing/2010/main" val="0"/>
+              </a:ext>
+            </a:extLst>
+          </a:blip>
+          <a:srcRect/>
+          <a:stretch>
+            <a:fillRect/>
+          </a:stretch>
+        </p:blipFill>
+        <p:spPr bwMode="auto">
           <a:xfrm>
-            <a:off x="2202801" y="1287621"/>
-            <a:ext cx="9637746" cy="5201424"/>
+            <a:off x="680675" y="5703240"/>
+            <a:ext cx="2551288" cy="1339426"/>
           </a:xfrm>
           <a:prstGeom prst="rect">
             <a:avLst/>
           </a:prstGeom>
           <a:noFill/>
-          <a:effectLst>
-            <a:outerShdw blurRad="50800" dist="38100" dir="8100000" algn="tr" rotWithShape="0">
-              <a:prstClr val="black">
-                <a:alpha val="40000"/>
-              </a:prstClr>
-            </a:outerShdw>
-          </a:effectLst>
+          <a:extLst>
+            <a:ext uri="{909E8E84-426E-40DD-AFC4-6F175D3DCCD1}">
+              <a14:hiddenFill xmlns:a14="http://schemas.microsoft.com/office/drawing/2010/main">
+                <a:solidFill>
+                  <a:srgbClr val="FFFFFF"/>
+                </a:solidFill>
+              </a14:hiddenFill>
+            </a:ext>
+          </a:extLst>
+        </p:spPr>
+      </p:pic>
+      <p:sp>
+        <p:nvSpPr>
+          <p:cNvPr id="4" name="TextBox 3">
+            <a:extLst>
+              <a:ext uri="{FF2B5EF4-FFF2-40B4-BE49-F238E27FC236}">
+                <a16:creationId xmlns:a16="http://schemas.microsoft.com/office/drawing/2014/main" id="{B6CCF1F1-216B-4FDE-8477-127028475E8D}"/>
+              </a:ext>
+            </a:extLst>
+          </p:cNvPr>
+          <p:cNvSpPr txBox="1"/>
+          <p:nvPr/>
+        </p:nvSpPr>
+        <p:spPr>
+          <a:xfrm>
+            <a:off x="587023" y="5518574"/>
+            <a:ext cx="11604977" cy="369332"/>
+          </a:xfrm>
+          <a:prstGeom prst="rect">
+            <a:avLst/>
+          </a:prstGeom>
+          <a:noFill/>
         </p:spPr>
         <p:txBody>
           <a:bodyPr wrap="square" rtlCol="0">
@@ -3547,87 +3579,98 @@
           <a:lstStyle/>
           <a:p>
             <a:r>
-              <a:rPr lang="en-GB" sz="4400" dirty="0">
-                <a:latin typeface="Acumin Pro Wide Extra Light" panose="020B0305020202020204" pitchFamily="34" charset="0"/>
+              <a:rPr lang="en-GB" dirty="0"/>
+              <a:t>_______________________________________________________________________________________________</a:t>
+            </a:r>
+            <a:endParaRPr lang="en-NL" dirty="0"/>
+          </a:p>
+        </p:txBody>
+      </p:sp>
+      <p:sp>
+        <p:nvSpPr>
+          <p:cNvPr id="5" name="TextBox 4">
+            <a:extLst>
+              <a:ext uri="{FF2B5EF4-FFF2-40B4-BE49-F238E27FC236}">
+                <a16:creationId xmlns:a16="http://schemas.microsoft.com/office/drawing/2014/main" id="{661640DE-50E4-42BC-A92B-1B47BCC26C2A}"/>
+              </a:ext>
+            </a:extLst>
+          </p:cNvPr>
+          <p:cNvSpPr txBox="1"/>
+          <p:nvPr/>
+        </p:nvSpPr>
+        <p:spPr>
+          <a:xfrm>
+            <a:off x="3803706" y="1517245"/>
+            <a:ext cx="6082114" cy="3539430"/>
+          </a:xfrm>
+          <a:prstGeom prst="rect">
+            <a:avLst/>
+          </a:prstGeom>
+          <a:noFill/>
+        </p:spPr>
+        <p:txBody>
+          <a:bodyPr wrap="none" rtlCol="0">
+            <a:spAutoFit/>
+          </a:bodyPr>
+          <a:lstStyle/>
+          <a:p>
+            <a:r>
+              <a:rPr lang="en-GB" sz="3200" b="1" dirty="0">
+                <a:latin typeface="Arial" panose="020B0604020202020204" pitchFamily="34" charset="0"/>
+                <a:cs typeface="Arial" panose="020B0604020202020204" pitchFamily="34" charset="0"/>
               </a:rPr>
-              <a:t>Teamwork challenges</a:t>
-            </a:r>
-          </a:p>
-          <a:p>
-            <a:pPr marL="571500" indent="-571500">
-              <a:buFont typeface="Wingdings" panose="05000000000000000000" pitchFamily="2" charset="2"/>
-              <a:buChar char="§"/>
-            </a:pPr>
-            <a:r>
-              <a:rPr lang="en-GB" sz="3600" dirty="0">
-                <a:latin typeface="Acumin Pro Wide Thin" panose="020B0205020202020204" pitchFamily="34" charset="0"/>
+              <a:t>System context</a:t>
+            </a:r>
+          </a:p>
+          <a:p>
+            <a:r>
+              <a:rPr lang="en-GB" sz="3200" dirty="0">
+                <a:latin typeface="Arial" panose="020B0604020202020204" pitchFamily="34" charset="0"/>
+                <a:cs typeface="Arial" panose="020B0604020202020204" pitchFamily="34" charset="0"/>
               </a:rPr>
-              <a:t>Unexpected new way of working</a:t>
-            </a:r>
-          </a:p>
-          <a:p>
-            <a:pPr marL="571500" indent="-571500">
-              <a:buFont typeface="Wingdings" panose="05000000000000000000" pitchFamily="2" charset="2"/>
-              <a:buChar char="§"/>
-            </a:pPr>
-            <a:r>
-              <a:rPr lang="en-GB" sz="3600" dirty="0">
-                <a:latin typeface="Acumin Pro Wide Thin" panose="020B0205020202020204" pitchFamily="34" charset="0"/>
+              <a:t>- Sensors gather data</a:t>
+            </a:r>
+          </a:p>
+          <a:p>
+            <a:r>
+              <a:rPr lang="en-GB" sz="3200" dirty="0">
+                <a:latin typeface="Arial" panose="020B0604020202020204" pitchFamily="34" charset="0"/>
+                <a:cs typeface="Arial" panose="020B0604020202020204" pitchFamily="34" charset="0"/>
               </a:rPr>
-              <a:t>Working long distance</a:t>
-            </a:r>
-          </a:p>
-          <a:p>
-            <a:pPr marL="571500" indent="-571500">
-              <a:buFont typeface="Wingdings" panose="05000000000000000000" pitchFamily="2" charset="2"/>
-              <a:buChar char="§"/>
-            </a:pPr>
-            <a:r>
-              <a:rPr lang="en-GB" sz="3600" dirty="0">
-                <a:latin typeface="Acumin Pro Wide Thin" panose="020B0205020202020204" pitchFamily="34" charset="0"/>
+              <a:t>- Module sends data</a:t>
+            </a:r>
+          </a:p>
+          <a:p>
+            <a:r>
+              <a:rPr lang="en-GB" sz="3200" dirty="0">
+                <a:latin typeface="Arial" panose="020B0604020202020204" pitchFamily="34" charset="0"/>
+                <a:cs typeface="Arial" panose="020B0604020202020204" pitchFamily="34" charset="0"/>
               </a:rPr>
-              <a:t>Teammate leaving</a:t>
-            </a:r>
-          </a:p>
-          <a:p>
-            <a:pPr marL="571500" indent="-571500">
-              <a:buFont typeface="Wingdings" panose="05000000000000000000" pitchFamily="2" charset="2"/>
-              <a:buChar char="§"/>
-            </a:pPr>
-            <a:endParaRPr lang="en-GB" sz="3600" dirty="0">
-              <a:latin typeface="Acumin Pro Wide Thin" panose="020B0205020202020204" pitchFamily="34" charset="0"/>
-            </a:endParaRPr>
-          </a:p>
-          <a:p>
-            <a:pPr marL="571500" indent="-571500">
-              <a:buFont typeface="Wingdings" panose="05000000000000000000" pitchFamily="2" charset="2"/>
-              <a:buChar char="§"/>
-            </a:pPr>
-            <a:endParaRPr lang="en-GB" sz="3600" dirty="0">
-              <a:latin typeface="Acumin Pro Wide Thin" panose="020B0205020202020204" pitchFamily="34" charset="0"/>
-            </a:endParaRPr>
-          </a:p>
-          <a:p>
-            <a:pPr marL="571500" indent="-571500">
-              <a:buFont typeface="Wingdings" panose="05000000000000000000" pitchFamily="2" charset="2"/>
-              <a:buChar char="§"/>
-            </a:pPr>
-            <a:endParaRPr lang="en-GB" sz="3600" dirty="0">
-              <a:latin typeface="Acumin Pro Wide Thin" panose="020B0205020202020204" pitchFamily="34" charset="0"/>
-            </a:endParaRPr>
-          </a:p>
-          <a:p>
-            <a:pPr marL="571500" indent="-571500">
-              <a:buFont typeface="Wingdings" panose="05000000000000000000" pitchFamily="2" charset="2"/>
-              <a:buChar char="§"/>
-            </a:pPr>
-            <a:endParaRPr lang="en-GB" sz="3600" dirty="0">
-              <a:latin typeface="Acumin Pro Wide Thin" panose="020B0205020202020204" pitchFamily="34" charset="0"/>
-            </a:endParaRPr>
-          </a:p>
-          <a:p>
-            <a:endParaRPr lang="en-NL" sz="3600" dirty="0">
-              <a:latin typeface="Acumin Pro Wide Thin" panose="020B0205020202020204" pitchFamily="34" charset="0"/>
+              <a:t>- Multiple background processes</a:t>
+            </a:r>
+          </a:p>
+          <a:p>
+            <a:r>
+              <a:rPr lang="en-GB" sz="3200" dirty="0">
+                <a:latin typeface="Arial" panose="020B0604020202020204" pitchFamily="34" charset="0"/>
+                <a:cs typeface="Arial" panose="020B0604020202020204" pitchFamily="34" charset="0"/>
+              </a:rPr>
+              <a:t>- Storing data</a:t>
+            </a:r>
+          </a:p>
+          <a:p>
+            <a:r>
+              <a:rPr lang="en-GB" sz="3200" dirty="0">
+                <a:latin typeface="Arial" panose="020B0604020202020204" pitchFamily="34" charset="0"/>
+                <a:cs typeface="Arial" panose="020B0604020202020204" pitchFamily="34" charset="0"/>
+              </a:rPr>
+              <a:t>- Visualizing data</a:t>
+            </a:r>
+          </a:p>
+          <a:p>
+            <a:endParaRPr lang="en-GB" sz="3200" dirty="0">
+              <a:latin typeface="Arial" panose="020B0604020202020204" pitchFamily="34" charset="0"/>
+              <a:cs typeface="Arial" panose="020B0604020202020204" pitchFamily="34" charset="0"/>
             </a:endParaRPr>
           </a:p>
         </p:txBody>
@@ -3635,46 +3678,22 @@
     </p:spTree>
     <p:extLst>
       <p:ext uri="{BB962C8B-B14F-4D97-AF65-F5344CB8AC3E}">
-        <p14:creationId xmlns:p14="http://schemas.microsoft.com/office/powerpoint/2010/main" val="3743969208"/>
+        <p14:creationId xmlns:p14="http://schemas.microsoft.com/office/powerpoint/2010/main" val="2543152136"/>
       </p:ext>
     </p:extLst>
   </p:cSld>
   <p:clrMapOvr>
     <a:masterClrMapping/>
   </p:clrMapOvr>
-  <mc:AlternateContent xmlns:mc="http://schemas.openxmlformats.org/markup-compatibility/2006" xmlns:p14="http://schemas.microsoft.com/office/powerpoint/2010/main">
-    <mc:Choice Requires="p14">
-      <p:transition spd="med" p14:dur="700">
-        <p:fade/>
-      </p:transition>
-    </mc:Choice>
-    <mc:Fallback xmlns="">
-      <p:transition spd="med">
-        <p:fade/>
-      </p:transition>
-    </mc:Fallback>
-  </mc:AlternateContent>
+  <p:transition>
+    <p:fade/>
+  </p:transition>
 </p:sld>
 </file>
 
 <file path=ppt/slides/slide11.xml><?xml version="1.0" encoding="utf-8"?>
 <p:sld xmlns:a="http://schemas.openxmlformats.org/drawingml/2006/main" xmlns:r="http://schemas.openxmlformats.org/officeDocument/2006/relationships" xmlns:p="http://schemas.openxmlformats.org/presentationml/2006/main">
   <p:cSld>
-    <p:bg>
-      <p:bgPr>
-        <a:blipFill dpi="0" rotWithShape="1">
-          <a:blip r:embed="rId2">
-            <a:alphaModFix amt="50000"/>
-            <a:lum/>
-          </a:blip>
-          <a:srcRect/>
-          <a:stretch>
-            <a:fillRect t="-9000" b="-9000"/>
-          </a:stretch>
-        </a:blipFill>
-        <a:effectLst/>
-      </p:bgPr>
-    </p:bg>
     <p:spTree>
       <p:nvGrpSpPr>
         <p:cNvPr id="1" name=""/>
@@ -3689,34 +3708,74 @@
           <a:chExt cx="0" cy="0"/>
         </a:xfrm>
       </p:grpSpPr>
-      <p:sp>
-        <p:nvSpPr>
-          <p:cNvPr id="6" name="TextBox 5">
-            <a:extLst>
-              <a:ext uri="{FF2B5EF4-FFF2-40B4-BE49-F238E27FC236}">
-                <a16:creationId xmlns:a16="http://schemas.microsoft.com/office/drawing/2014/main" id="{36187531-5956-4211-BD01-9B7650C16510}"/>
-              </a:ext>
-            </a:extLst>
-          </p:cNvPr>
-          <p:cNvSpPr txBox="1"/>
+      <p:pic>
+        <p:nvPicPr>
+          <p:cNvPr id="3074" name="Picture 2" descr="Airios I We build for comfort I Home">
+            <a:extLst>
+              <a:ext uri="{FF2B5EF4-FFF2-40B4-BE49-F238E27FC236}">
+                <a16:creationId xmlns:a16="http://schemas.microsoft.com/office/drawing/2014/main" id="{F04C1FE4-1909-40A5-ACBF-EBDA761AC14D}"/>
+              </a:ext>
+            </a:extLst>
+          </p:cNvPr>
+          <p:cNvPicPr>
+            <a:picLocks noChangeAspect="1" noChangeArrowheads="1"/>
+          </p:cNvPicPr>
           <p:nvPr/>
-        </p:nvSpPr>
-        <p:spPr>
+        </p:nvPicPr>
+        <p:blipFill>
+          <a:blip r:embed="rId2">
+            <a:extLst>
+              <a:ext uri="{28A0092B-C50C-407E-A947-70E740481C1C}">
+                <a14:useLocalDpi xmlns:a14="http://schemas.microsoft.com/office/drawing/2010/main" val="0"/>
+              </a:ext>
+            </a:extLst>
+          </a:blip>
+          <a:srcRect/>
+          <a:stretch>
+            <a:fillRect/>
+          </a:stretch>
+        </p:blipFill>
+        <p:spPr bwMode="auto">
           <a:xfrm>
-            <a:off x="2202801" y="1287621"/>
-            <a:ext cx="9637746" cy="5201424"/>
+            <a:off x="680675" y="5703240"/>
+            <a:ext cx="2551288" cy="1339426"/>
           </a:xfrm>
           <a:prstGeom prst="rect">
             <a:avLst/>
           </a:prstGeom>
           <a:noFill/>
-          <a:effectLst>
-            <a:outerShdw blurRad="50800" dist="38100" dir="8100000" algn="tr" rotWithShape="0">
-              <a:prstClr val="black">
-                <a:alpha val="40000"/>
-              </a:prstClr>
-            </a:outerShdw>
-          </a:effectLst>
+          <a:extLst>
+            <a:ext uri="{909E8E84-426E-40DD-AFC4-6F175D3DCCD1}">
+              <a14:hiddenFill xmlns:a14="http://schemas.microsoft.com/office/drawing/2010/main">
+                <a:solidFill>
+                  <a:srgbClr val="FFFFFF"/>
+                </a:solidFill>
+              </a14:hiddenFill>
+            </a:ext>
+          </a:extLst>
+        </p:spPr>
+      </p:pic>
+      <p:sp>
+        <p:nvSpPr>
+          <p:cNvPr id="4" name="TextBox 3">
+            <a:extLst>
+              <a:ext uri="{FF2B5EF4-FFF2-40B4-BE49-F238E27FC236}">
+                <a16:creationId xmlns:a16="http://schemas.microsoft.com/office/drawing/2014/main" id="{B6CCF1F1-216B-4FDE-8477-127028475E8D}"/>
+              </a:ext>
+            </a:extLst>
+          </p:cNvPr>
+          <p:cNvSpPr txBox="1"/>
+          <p:nvPr/>
+        </p:nvSpPr>
+        <p:spPr>
+          <a:xfrm>
+            <a:off x="587023" y="5518574"/>
+            <a:ext cx="11604977" cy="369332"/>
+          </a:xfrm>
+          <a:prstGeom prst="rect">
+            <a:avLst/>
+          </a:prstGeom>
+          <a:noFill/>
         </p:spPr>
         <p:txBody>
           <a:bodyPr wrap="square" rtlCol="0">
@@ -3725,134 +3784,68 @@
           <a:lstStyle/>
           <a:p>
             <a:r>
-              <a:rPr lang="en-GB" sz="4400" dirty="0">
-                <a:latin typeface="Acumin Pro Wide Extra Light" panose="020B0305020202020204" pitchFamily="34" charset="0"/>
-              </a:rPr>
-              <a:t>Conclusion</a:t>
-            </a:r>
-          </a:p>
-          <a:p>
-            <a:pPr marL="571500" indent="-571500">
-              <a:buFont typeface="Wingdings" panose="05000000000000000000" pitchFamily="2" charset="2"/>
-              <a:buChar char="§"/>
-            </a:pPr>
-            <a:r>
-              <a:rPr lang="en-GB" sz="3600" dirty="0">
-                <a:latin typeface="Acumin Pro Wide Thin" panose="020B0205020202020204" pitchFamily="34" charset="0"/>
-              </a:rPr>
-              <a:t>Challenging project</a:t>
-            </a:r>
-          </a:p>
-          <a:p>
-            <a:pPr marL="571500" indent="-571500">
-              <a:buFont typeface="Wingdings" panose="05000000000000000000" pitchFamily="2" charset="2"/>
-              <a:buChar char="§"/>
-            </a:pPr>
-            <a:r>
-              <a:rPr lang="en-GB" sz="3600" dirty="0">
-                <a:latin typeface="Acumin Pro Wide Thin" panose="020B0205020202020204" pitchFamily="34" charset="0"/>
-              </a:rPr>
-              <a:t>Excellent learning experience</a:t>
-            </a:r>
-          </a:p>
-          <a:p>
-            <a:pPr marL="571500" indent="-571500">
-              <a:buFont typeface="Wingdings" panose="05000000000000000000" pitchFamily="2" charset="2"/>
-              <a:buChar char="§"/>
-            </a:pPr>
-            <a:r>
-              <a:rPr lang="en-GB" sz="3600" dirty="0">
-                <a:latin typeface="Acumin Pro Wide Thin" panose="020B0205020202020204" pitchFamily="34" charset="0"/>
-              </a:rPr>
-              <a:t>Dealing with complicated situations</a:t>
-            </a:r>
-          </a:p>
-          <a:p>
-            <a:pPr marL="571500" indent="-571500">
-              <a:buFont typeface="Wingdings" panose="05000000000000000000" pitchFamily="2" charset="2"/>
-              <a:buChar char="§"/>
-            </a:pPr>
-            <a:endParaRPr lang="en-GB" sz="3600" dirty="0">
-              <a:latin typeface="Acumin Pro Wide Thin" panose="020B0205020202020204" pitchFamily="34" charset="0"/>
-            </a:endParaRPr>
-          </a:p>
-          <a:p>
-            <a:pPr marL="571500" indent="-571500">
-              <a:buFont typeface="Wingdings" panose="05000000000000000000" pitchFamily="2" charset="2"/>
-              <a:buChar char="§"/>
-            </a:pPr>
-            <a:endParaRPr lang="en-GB" sz="3600" dirty="0">
-              <a:latin typeface="Acumin Pro Wide Thin" panose="020B0205020202020204" pitchFamily="34" charset="0"/>
-            </a:endParaRPr>
-          </a:p>
-          <a:p>
-            <a:pPr marL="571500" indent="-571500">
-              <a:buFont typeface="Wingdings" panose="05000000000000000000" pitchFamily="2" charset="2"/>
-              <a:buChar char="§"/>
-            </a:pPr>
-            <a:endParaRPr lang="en-GB" sz="3600" dirty="0">
-              <a:latin typeface="Acumin Pro Wide Thin" panose="020B0205020202020204" pitchFamily="34" charset="0"/>
-            </a:endParaRPr>
-          </a:p>
-          <a:p>
-            <a:pPr marL="571500" indent="-571500">
-              <a:buFont typeface="Wingdings" panose="05000000000000000000" pitchFamily="2" charset="2"/>
-              <a:buChar char="§"/>
-            </a:pPr>
-            <a:endParaRPr lang="en-GB" sz="3600" dirty="0">
-              <a:latin typeface="Acumin Pro Wide Thin" panose="020B0205020202020204" pitchFamily="34" charset="0"/>
-            </a:endParaRPr>
-          </a:p>
-          <a:p>
-            <a:endParaRPr lang="en-NL" sz="3600" dirty="0">
-              <a:latin typeface="Acumin Pro Wide Thin" panose="020B0205020202020204" pitchFamily="34" charset="0"/>
-            </a:endParaRPr>
-          </a:p>
-        </p:txBody>
-      </p:sp>
+              <a:rPr lang="en-GB" dirty="0"/>
+              <a:t>_______________________________________________________________________________________________</a:t>
+            </a:r>
+            <a:endParaRPr lang="en-NL" dirty="0"/>
+          </a:p>
+        </p:txBody>
+      </p:sp>
+      <p:pic>
+        <p:nvPicPr>
+          <p:cNvPr id="6" name="Picture 5" descr="A picture containing screenshot&#10;&#10;Description automatically generated">
+            <a:extLst>
+              <a:ext uri="{FF2B5EF4-FFF2-40B4-BE49-F238E27FC236}">
+                <a16:creationId xmlns:a16="http://schemas.microsoft.com/office/drawing/2014/main" id="{FD8DDF85-A52E-4B9A-BD2D-57E77140BFAF}"/>
+              </a:ext>
+            </a:extLst>
+          </p:cNvPr>
+          <p:cNvPicPr>
+            <a:picLocks noChangeAspect="1"/>
+          </p:cNvPicPr>
+          <p:nvPr/>
+        </p:nvPicPr>
+        <p:blipFill>
+          <a:blip r:embed="rId3">
+            <a:extLst>
+              <a:ext uri="{28A0092B-C50C-407E-A947-70E740481C1C}">
+                <a14:useLocalDpi xmlns:a14="http://schemas.microsoft.com/office/drawing/2010/main" val="0"/>
+              </a:ext>
+            </a:extLst>
+          </a:blip>
+          <a:stretch>
+            <a:fillRect/>
+          </a:stretch>
+        </p:blipFill>
+        <p:spPr>
+          <a:xfrm>
+            <a:off x="1065884" y="199908"/>
+            <a:ext cx="10060232" cy="5503332"/>
+          </a:xfrm>
+          <a:prstGeom prst="rect">
+            <a:avLst/>
+          </a:prstGeom>
+        </p:spPr>
+      </p:pic>
     </p:spTree>
     <p:extLst>
       <p:ext uri="{BB962C8B-B14F-4D97-AF65-F5344CB8AC3E}">
-        <p14:creationId xmlns:p14="http://schemas.microsoft.com/office/powerpoint/2010/main" val="2766679722"/>
+        <p14:creationId xmlns:p14="http://schemas.microsoft.com/office/powerpoint/2010/main" val="1078887120"/>
       </p:ext>
     </p:extLst>
   </p:cSld>
   <p:clrMapOvr>
     <a:masterClrMapping/>
   </p:clrMapOvr>
-  <mc:AlternateContent xmlns:mc="http://schemas.openxmlformats.org/markup-compatibility/2006" xmlns:p14="http://schemas.microsoft.com/office/powerpoint/2010/main">
-    <mc:Choice Requires="p14">
-      <p:transition spd="med" p14:dur="700">
-        <p:fade/>
-      </p:transition>
-    </mc:Choice>
-    <mc:Fallback xmlns="">
-      <p:transition spd="med">
-        <p:fade/>
-      </p:transition>
-    </mc:Fallback>
-  </mc:AlternateContent>
+  <p:transition>
+    <p:fade/>
+  </p:transition>
 </p:sld>
 </file>
 
-<file path=ppt/slides/slide2.xml><?xml version="1.0" encoding="utf-8"?>
+<file path=ppt/slides/slide12.xml><?xml version="1.0" encoding="utf-8"?>
 <p:sld xmlns:a="http://schemas.openxmlformats.org/drawingml/2006/main" xmlns:r="http://schemas.openxmlformats.org/officeDocument/2006/relationships" xmlns:p="http://schemas.openxmlformats.org/presentationml/2006/main">
   <p:cSld>
-    <p:bg>
-      <p:bgPr>
-        <a:blipFill dpi="0" rotWithShape="1">
-          <a:blip r:embed="rId2">
-            <a:alphaModFix amt="50000"/>
-            <a:lum/>
-          </a:blip>
-          <a:srcRect/>
-          <a:stretch>
-            <a:fillRect t="-9000" b="-9000"/>
-          </a:stretch>
-        </a:blipFill>
-        <a:effectLst/>
-      </p:bgPr>
-    </p:bg>
     <p:spTree>
       <p:nvGrpSpPr>
         <p:cNvPr id="1" name=""/>
@@ -3867,67 +3860,59 @@
           <a:chExt cx="0" cy="0"/>
         </a:xfrm>
       </p:grpSpPr>
-      <p:sp>
-        <p:nvSpPr>
-          <p:cNvPr id="5" name="TextBox 4">
-            <a:extLst>
-              <a:ext uri="{FF2B5EF4-FFF2-40B4-BE49-F238E27FC236}">
-                <a16:creationId xmlns:a16="http://schemas.microsoft.com/office/drawing/2014/main" id="{1D49C0E6-E285-4E6F-A110-FB6F9A1D157B}"/>
-              </a:ext>
-            </a:extLst>
-          </p:cNvPr>
-          <p:cNvSpPr txBox="1"/>
+      <p:pic>
+        <p:nvPicPr>
+          <p:cNvPr id="3074" name="Picture 2" descr="Airios I We build for comfort I Home">
+            <a:extLst>
+              <a:ext uri="{FF2B5EF4-FFF2-40B4-BE49-F238E27FC236}">
+                <a16:creationId xmlns:a16="http://schemas.microsoft.com/office/drawing/2014/main" id="{F04C1FE4-1909-40A5-ACBF-EBDA761AC14D}"/>
+              </a:ext>
+            </a:extLst>
+          </p:cNvPr>
+          <p:cNvPicPr>
+            <a:picLocks noChangeAspect="1" noChangeArrowheads="1"/>
+          </p:cNvPicPr>
           <p:nvPr/>
-        </p:nvSpPr>
-        <p:spPr>
+        </p:nvPicPr>
+        <p:blipFill>
+          <a:blip r:embed="rId2">
+            <a:extLst>
+              <a:ext uri="{28A0092B-C50C-407E-A947-70E740481C1C}">
+                <a14:useLocalDpi xmlns:a14="http://schemas.microsoft.com/office/drawing/2010/main" val="0"/>
+              </a:ext>
+            </a:extLst>
+          </a:blip>
+          <a:srcRect/>
+          <a:stretch>
+            <a:fillRect/>
+          </a:stretch>
+        </p:blipFill>
+        <p:spPr bwMode="auto">
           <a:xfrm>
-            <a:off x="1545771" y="2011783"/>
-            <a:ext cx="4354286" cy="2554545"/>
+            <a:off x="680675" y="5703240"/>
+            <a:ext cx="2551288" cy="1339426"/>
           </a:xfrm>
           <a:prstGeom prst="rect">
             <a:avLst/>
           </a:prstGeom>
           <a:noFill/>
-          <a:effectLst>
-            <a:outerShdw blurRad="50800" dist="38100" dir="10800000" algn="r" rotWithShape="0">
-              <a:prstClr val="black">
-                <a:alpha val="40000"/>
-              </a:prstClr>
-            </a:outerShdw>
-          </a:effectLst>
+          <a:extLst>
+            <a:ext uri="{909E8E84-426E-40DD-AFC4-6F175D3DCCD1}">
+              <a14:hiddenFill xmlns:a14="http://schemas.microsoft.com/office/drawing/2010/main">
+                <a:solidFill>
+                  <a:srgbClr val="FFFFFF"/>
+                </a:solidFill>
+              </a14:hiddenFill>
+            </a:ext>
+          </a:extLst>
         </p:spPr>
-        <p:txBody>
-          <a:bodyPr wrap="square" rtlCol="0">
-            <a:spAutoFit/>
-          </a:bodyPr>
-          <a:lstStyle/>
-          <a:p>
-            <a:r>
-              <a:rPr lang="en-GB" sz="4000" dirty="0">
-                <a:latin typeface="Acumin Pro Wide Extra Light" panose="020B0305020202020204" pitchFamily="34" charset="0"/>
-              </a:rPr>
-              <a:t>Problem</a:t>
-            </a:r>
-          </a:p>
-          <a:p>
-            <a:r>
-              <a:rPr lang="en-GB" sz="4000" dirty="0">
-                <a:latin typeface="Acumin Pro Wide Thin" panose="020B0205020202020204" pitchFamily="34" charset="0"/>
-              </a:rPr>
-              <a:t>lavishly insulated house with poor ventilation</a:t>
-            </a:r>
-            <a:endParaRPr lang="en-NL" sz="4000" dirty="0">
-              <a:latin typeface="Acumin Pro Wide Thin" panose="020B0205020202020204" pitchFamily="34" charset="0"/>
-            </a:endParaRPr>
-          </a:p>
-        </p:txBody>
-      </p:sp>
-      <p:sp>
-        <p:nvSpPr>
-          <p:cNvPr id="6" name="TextBox 5">
-            <a:extLst>
-              <a:ext uri="{FF2B5EF4-FFF2-40B4-BE49-F238E27FC236}">
-                <a16:creationId xmlns:a16="http://schemas.microsoft.com/office/drawing/2014/main" id="{36187531-5956-4211-BD01-9B7650C16510}"/>
+      </p:pic>
+      <p:sp>
+        <p:nvSpPr>
+          <p:cNvPr id="4" name="TextBox 3">
+            <a:extLst>
+              <a:ext uri="{FF2B5EF4-FFF2-40B4-BE49-F238E27FC236}">
+                <a16:creationId xmlns:a16="http://schemas.microsoft.com/office/drawing/2014/main" id="{B6CCF1F1-216B-4FDE-8477-127028475E8D}"/>
               </a:ext>
             </a:extLst>
           </p:cNvPr>
@@ -3936,20 +3921,13 @@
         </p:nvSpPr>
         <p:spPr>
           <a:xfrm>
-            <a:off x="6291945" y="2011783"/>
-            <a:ext cx="4030825" cy="2554545"/>
+            <a:off x="587023" y="5518574"/>
+            <a:ext cx="11604977" cy="369332"/>
           </a:xfrm>
           <a:prstGeom prst="rect">
             <a:avLst/>
           </a:prstGeom>
           <a:noFill/>
-          <a:effectLst>
-            <a:outerShdw blurRad="50800" dist="38100" dir="8100000" algn="tr" rotWithShape="0">
-              <a:prstClr val="black">
-                <a:alpha val="40000"/>
-              </a:prstClr>
-            </a:outerShdw>
-          </a:effectLst>
         </p:spPr>
         <p:txBody>
           <a:bodyPr wrap="square" rtlCol="0">
@@ -3958,68 +3936,109 @@
           <a:lstStyle/>
           <a:p>
             <a:r>
-              <a:rPr lang="en-GB" sz="4000" dirty="0">
-                <a:latin typeface="Acumin Pro Wide Extra Light" panose="020B0305020202020204" pitchFamily="34" charset="0"/>
+              <a:rPr lang="en-GB" dirty="0"/>
+              <a:t>_______________________________________________________________________________________________</a:t>
+            </a:r>
+            <a:endParaRPr lang="en-NL" dirty="0"/>
+          </a:p>
+        </p:txBody>
+      </p:sp>
+      <p:sp>
+        <p:nvSpPr>
+          <p:cNvPr id="5" name="TextBox 4">
+            <a:extLst>
+              <a:ext uri="{FF2B5EF4-FFF2-40B4-BE49-F238E27FC236}">
+                <a16:creationId xmlns:a16="http://schemas.microsoft.com/office/drawing/2014/main" id="{661640DE-50E4-42BC-A92B-1B47BCC26C2A}"/>
+              </a:ext>
+            </a:extLst>
+          </p:cNvPr>
+          <p:cNvSpPr txBox="1"/>
+          <p:nvPr/>
+        </p:nvSpPr>
+        <p:spPr>
+          <a:xfrm>
+            <a:off x="2877171" y="1626302"/>
+            <a:ext cx="7024680" cy="2062103"/>
+          </a:xfrm>
+          <a:prstGeom prst="rect">
+            <a:avLst/>
+          </a:prstGeom>
+          <a:noFill/>
+        </p:spPr>
+        <p:txBody>
+          <a:bodyPr wrap="none" rtlCol="0">
+            <a:spAutoFit/>
+          </a:bodyPr>
+          <a:lstStyle/>
+          <a:p>
+            <a:r>
+              <a:rPr lang="en-GB" sz="3200" b="1" dirty="0">
+                <a:latin typeface="Arial" panose="020B0604020202020204" pitchFamily="34" charset="0"/>
+                <a:cs typeface="Arial" panose="020B0604020202020204" pitchFamily="34" charset="0"/>
               </a:rPr>
-              <a:t>Solution</a:t>
-            </a:r>
-          </a:p>
-          <a:p>
-            <a:r>
-              <a:rPr lang="en-GB" sz="4000" dirty="0">
-                <a:latin typeface="Acumin Pro Wide Thin" panose="020B0205020202020204" pitchFamily="34" charset="0"/>
+              <a:t>Conclusion</a:t>
+            </a:r>
+          </a:p>
+          <a:p>
+            <a:pPr marL="457200" indent="-457200">
+              <a:buFontTx/>
+              <a:buChar char="-"/>
+            </a:pPr>
+            <a:r>
+              <a:rPr lang="en-GB" sz="3200" dirty="0">
+                <a:latin typeface="Arial" panose="020B0604020202020204" pitchFamily="34" charset="0"/>
+                <a:cs typeface="Arial" panose="020B0604020202020204" pitchFamily="34" charset="0"/>
               </a:rPr>
-              <a:t>automated indoor climate control system</a:t>
-            </a:r>
-            <a:endParaRPr lang="en-NL" sz="4000" dirty="0">
-              <a:latin typeface="Acumin Pro Wide Thin" panose="020B0205020202020204" pitchFamily="34" charset="0"/>
-            </a:endParaRPr>
+              <a:t>Challenging project</a:t>
+            </a:r>
+          </a:p>
+          <a:p>
+            <a:pPr marL="457200" indent="-457200">
+              <a:buFontTx/>
+              <a:buChar char="-"/>
+            </a:pPr>
+            <a:r>
+              <a:rPr lang="en-GB" sz="3200" dirty="0">
+                <a:latin typeface="Arial" panose="020B0604020202020204" pitchFamily="34" charset="0"/>
+                <a:cs typeface="Arial" panose="020B0604020202020204" pitchFamily="34" charset="0"/>
+              </a:rPr>
+              <a:t>Excellent learning experience</a:t>
+            </a:r>
+          </a:p>
+          <a:p>
+            <a:pPr marL="457200" indent="-457200">
+              <a:buFontTx/>
+              <a:buChar char="-"/>
+            </a:pPr>
+            <a:r>
+              <a:rPr lang="en-GB" sz="3200" dirty="0">
+                <a:latin typeface="Arial" panose="020B0604020202020204" pitchFamily="34" charset="0"/>
+                <a:cs typeface="Arial" panose="020B0604020202020204" pitchFamily="34" charset="0"/>
+              </a:rPr>
+              <a:t>Dealing with complicated situations</a:t>
+            </a:r>
           </a:p>
         </p:txBody>
       </p:sp>
     </p:spTree>
     <p:extLst>
       <p:ext uri="{BB962C8B-B14F-4D97-AF65-F5344CB8AC3E}">
-        <p14:creationId xmlns:p14="http://schemas.microsoft.com/office/powerpoint/2010/main" val="3205599088"/>
+        <p14:creationId xmlns:p14="http://schemas.microsoft.com/office/powerpoint/2010/main" val="1746592894"/>
       </p:ext>
     </p:extLst>
   </p:cSld>
   <p:clrMapOvr>
     <a:masterClrMapping/>
   </p:clrMapOvr>
-  <mc:AlternateContent xmlns:mc="http://schemas.openxmlformats.org/markup-compatibility/2006" xmlns:p14="http://schemas.microsoft.com/office/powerpoint/2010/main">
-    <mc:Choice Requires="p14">
-      <p:transition spd="slow" p14:dur="1300">
-        <p14:reveal/>
-      </p:transition>
-    </mc:Choice>
-    <mc:Fallback xmlns="">
-      <p:transition spd="slow">
-        <p:fade/>
-      </p:transition>
-    </mc:Fallback>
-  </mc:AlternateContent>
+  <p:transition>
+    <p:fade/>
+  </p:transition>
 </p:sld>
 </file>
 
-<file path=ppt/slides/slide3.xml><?xml version="1.0" encoding="utf-8"?>
+<file path=ppt/slides/slide2.xml><?xml version="1.0" encoding="utf-8"?>
 <p:sld xmlns:a="http://schemas.openxmlformats.org/drawingml/2006/main" xmlns:r="http://schemas.openxmlformats.org/officeDocument/2006/relationships" xmlns:p="http://schemas.openxmlformats.org/presentationml/2006/main">
   <p:cSld>
-    <p:bg>
-      <p:bgPr>
-        <a:blipFill dpi="0" rotWithShape="1">
-          <a:blip r:embed="rId2">
-            <a:alphaModFix amt="50000"/>
-            <a:lum/>
-          </a:blip>
-          <a:srcRect/>
-          <a:stretch>
-            <a:fillRect t="-9000" b="-9000"/>
-          </a:stretch>
-        </a:blipFill>
-        <a:effectLst/>
-      </p:bgPr>
-    </p:bg>
     <p:spTree>
       <p:nvGrpSpPr>
         <p:cNvPr id="1" name=""/>
@@ -4034,34 +4053,74 @@
           <a:chExt cx="0" cy="0"/>
         </a:xfrm>
       </p:grpSpPr>
-      <p:sp>
-        <p:nvSpPr>
-          <p:cNvPr id="6" name="TextBox 5">
-            <a:extLst>
-              <a:ext uri="{FF2B5EF4-FFF2-40B4-BE49-F238E27FC236}">
-                <a16:creationId xmlns:a16="http://schemas.microsoft.com/office/drawing/2014/main" id="{36187531-5956-4211-BD01-9B7650C16510}"/>
-              </a:ext>
-            </a:extLst>
-          </p:cNvPr>
-          <p:cNvSpPr txBox="1"/>
+      <p:pic>
+        <p:nvPicPr>
+          <p:cNvPr id="3074" name="Picture 2" descr="Airios I We build for comfort I Home">
+            <a:extLst>
+              <a:ext uri="{FF2B5EF4-FFF2-40B4-BE49-F238E27FC236}">
+                <a16:creationId xmlns:a16="http://schemas.microsoft.com/office/drawing/2014/main" id="{F04C1FE4-1909-40A5-ACBF-EBDA761AC14D}"/>
+              </a:ext>
+            </a:extLst>
+          </p:cNvPr>
+          <p:cNvPicPr>
+            <a:picLocks noChangeAspect="1" noChangeArrowheads="1"/>
+          </p:cNvPicPr>
           <p:nvPr/>
-        </p:nvSpPr>
-        <p:spPr>
+        </p:nvPicPr>
+        <p:blipFill>
+          <a:blip r:embed="rId2">
+            <a:extLst>
+              <a:ext uri="{28A0092B-C50C-407E-A947-70E740481C1C}">
+                <a14:useLocalDpi xmlns:a14="http://schemas.microsoft.com/office/drawing/2010/main" val="0"/>
+              </a:ext>
+            </a:extLst>
+          </a:blip>
+          <a:srcRect/>
+          <a:stretch>
+            <a:fillRect/>
+          </a:stretch>
+        </p:blipFill>
+        <p:spPr bwMode="auto">
           <a:xfrm>
-            <a:off x="3070548" y="1259629"/>
-            <a:ext cx="7543801" cy="5262979"/>
+            <a:off x="680675" y="5703240"/>
+            <a:ext cx="2551288" cy="1339426"/>
           </a:xfrm>
           <a:prstGeom prst="rect">
             <a:avLst/>
           </a:prstGeom>
           <a:noFill/>
-          <a:effectLst>
-            <a:outerShdw blurRad="50800" dist="38100" dir="8100000" algn="tr" rotWithShape="0">
-              <a:prstClr val="black">
-                <a:alpha val="40000"/>
-              </a:prstClr>
-            </a:outerShdw>
-          </a:effectLst>
+          <a:extLst>
+            <a:ext uri="{909E8E84-426E-40DD-AFC4-6F175D3DCCD1}">
+              <a14:hiddenFill xmlns:a14="http://schemas.microsoft.com/office/drawing/2010/main">
+                <a:solidFill>
+                  <a:srgbClr val="FFFFFF"/>
+                </a:solidFill>
+              </a14:hiddenFill>
+            </a:ext>
+          </a:extLst>
+        </p:spPr>
+      </p:pic>
+      <p:sp>
+        <p:nvSpPr>
+          <p:cNvPr id="4" name="TextBox 3">
+            <a:extLst>
+              <a:ext uri="{FF2B5EF4-FFF2-40B4-BE49-F238E27FC236}">
+                <a16:creationId xmlns:a16="http://schemas.microsoft.com/office/drawing/2014/main" id="{B6CCF1F1-216B-4FDE-8477-127028475E8D}"/>
+              </a:ext>
+            </a:extLst>
+          </p:cNvPr>
+          <p:cNvSpPr txBox="1"/>
+          <p:nvPr/>
+        </p:nvSpPr>
+        <p:spPr>
+          <a:xfrm>
+            <a:off x="587023" y="5518574"/>
+            <a:ext cx="11604977" cy="369332"/>
+          </a:xfrm>
+          <a:prstGeom prst="rect">
+            <a:avLst/>
+          </a:prstGeom>
+          <a:noFill/>
         </p:spPr>
         <p:txBody>
           <a:bodyPr wrap="square" rtlCol="0">
@@ -4070,127 +4129,492 @@
           <a:lstStyle/>
           <a:p>
             <a:r>
-              <a:rPr lang="en-GB" sz="4400" dirty="0">
-                <a:latin typeface="Acumin Pro Wide Extra Light" panose="020B0305020202020204" pitchFamily="34" charset="0"/>
+              <a:rPr lang="en-GB" dirty="0"/>
+              <a:t>_______________________________________________________________________________________________</a:t>
+            </a:r>
+            <a:endParaRPr lang="en-NL" dirty="0"/>
+          </a:p>
+        </p:txBody>
+      </p:sp>
+      <p:sp>
+        <p:nvSpPr>
+          <p:cNvPr id="5" name="TextBox 4">
+            <a:extLst>
+              <a:ext uri="{FF2B5EF4-FFF2-40B4-BE49-F238E27FC236}">
+                <a16:creationId xmlns:a16="http://schemas.microsoft.com/office/drawing/2014/main" id="{661640DE-50E4-42BC-A92B-1B47BCC26C2A}"/>
+              </a:ext>
+            </a:extLst>
+          </p:cNvPr>
+          <p:cNvSpPr txBox="1"/>
+          <p:nvPr/>
+        </p:nvSpPr>
+        <p:spPr>
+          <a:xfrm>
+            <a:off x="3387481" y="1480933"/>
+            <a:ext cx="1415772" cy="584775"/>
+          </a:xfrm>
+          <a:prstGeom prst="rect">
+            <a:avLst/>
+          </a:prstGeom>
+          <a:noFill/>
+        </p:spPr>
+        <p:txBody>
+          <a:bodyPr wrap="none" rtlCol="0">
+            <a:spAutoFit/>
+          </a:bodyPr>
+          <a:lstStyle/>
+          <a:p>
+            <a:r>
+              <a:rPr lang="en-GB" sz="3200" b="1" dirty="0">
+                <a:latin typeface="Arial" panose="020B0604020202020204" pitchFamily="34" charset="0"/>
+                <a:cs typeface="Arial" panose="020B0604020202020204" pitchFamily="34" charset="0"/>
               </a:rPr>
-              <a:t>System requirements</a:t>
-            </a:r>
-          </a:p>
-          <a:p>
-            <a:pPr marL="571500" indent="-571500">
-              <a:buFont typeface="Wingdings" panose="05000000000000000000" pitchFamily="2" charset="2"/>
-              <a:buChar char="§"/>
-            </a:pPr>
-            <a:r>
-              <a:rPr lang="en-GB" sz="4400" dirty="0">
-                <a:latin typeface="Acumin Pro Wide Thin" panose="020B0205020202020204" pitchFamily="34" charset="0"/>
-              </a:rPr>
-              <a:t>Autonomous</a:t>
-            </a:r>
-          </a:p>
-          <a:p>
-            <a:pPr marL="571500" indent="-571500">
-              <a:buFont typeface="Wingdings" panose="05000000000000000000" pitchFamily="2" charset="2"/>
-              <a:buChar char="§"/>
-            </a:pPr>
-            <a:r>
-              <a:rPr lang="en-GB" sz="4400" dirty="0">
-                <a:latin typeface="Acumin Pro Wide Thin" panose="020B0205020202020204" pitchFamily="34" charset="0"/>
-              </a:rPr>
-              <a:t>Swift</a:t>
-            </a:r>
-          </a:p>
-          <a:p>
-            <a:pPr marL="571500" indent="-571500">
-              <a:buFont typeface="Wingdings" panose="05000000000000000000" pitchFamily="2" charset="2"/>
-              <a:buChar char="§"/>
-            </a:pPr>
-            <a:r>
-              <a:rPr lang="en-GB" sz="4400" dirty="0">
-                <a:latin typeface="Acumin Pro Wide Thin" panose="020B0205020202020204" pitchFamily="34" charset="0"/>
-              </a:rPr>
-              <a:t>Highly compatible</a:t>
-            </a:r>
-          </a:p>
-          <a:p>
-            <a:pPr marL="571500" indent="-571500">
-              <a:buFont typeface="Wingdings" panose="05000000000000000000" pitchFamily="2" charset="2"/>
-              <a:buChar char="§"/>
-            </a:pPr>
-            <a:r>
-              <a:rPr lang="en-GB" sz="4400" dirty="0">
-                <a:latin typeface="Acumin Pro Wide Thin" panose="020B0205020202020204" pitchFamily="34" charset="0"/>
-              </a:rPr>
-              <a:t>Customer friendly</a:t>
-            </a:r>
-          </a:p>
-          <a:p>
-            <a:pPr marL="571500" indent="-571500">
-              <a:buFont typeface="Wingdings" panose="05000000000000000000" pitchFamily="2" charset="2"/>
-              <a:buChar char="§"/>
-            </a:pPr>
-            <a:r>
-              <a:rPr lang="en-GB" sz="4400" dirty="0">
-                <a:latin typeface="Acumin Pro Wide Thin" panose="020B0205020202020204" pitchFamily="34" charset="0"/>
-              </a:rPr>
-              <a:t>Secure</a:t>
-            </a:r>
-          </a:p>
-          <a:p>
-            <a:endParaRPr lang="en-GB" sz="3600" dirty="0">
-              <a:latin typeface="Acumin Pro Wide Thin" panose="020B0205020202020204" pitchFamily="34" charset="0"/>
+              <a:t>DEMO</a:t>
+            </a:r>
+            <a:endParaRPr lang="en-GB" sz="3200" dirty="0">
+              <a:latin typeface="Arial" panose="020B0604020202020204" pitchFamily="34" charset="0"/>
+              <a:cs typeface="Arial" panose="020B0604020202020204" pitchFamily="34" charset="0"/>
             </a:endParaRPr>
           </a:p>
-          <a:p>
-            <a:endParaRPr lang="en-NL" sz="3600" dirty="0">
-              <a:latin typeface="Acumin Pro Wide Thin" panose="020B0205020202020204" pitchFamily="34" charset="0"/>
-            </a:endParaRPr>
-          </a:p>
-        </p:txBody>
-      </p:sp>
+        </p:txBody>
+      </p:sp>
+      <p:graphicFrame>
+        <p:nvGraphicFramePr>
+          <p:cNvPr id="6" name="Table 6">
+            <a:extLst>
+              <a:ext uri="{FF2B5EF4-FFF2-40B4-BE49-F238E27FC236}">
+                <a16:creationId xmlns:a16="http://schemas.microsoft.com/office/drawing/2014/main" id="{307F20ED-9C86-47FB-B5DC-5C4BE326AE90}"/>
+              </a:ext>
+            </a:extLst>
+          </p:cNvPr>
+          <p:cNvGraphicFramePr>
+            <a:graphicFrameLocks noGrp="1"/>
+          </p:cNvGraphicFramePr>
+          <p:nvPr>
+            <p:extLst>
+              <p:ext uri="{D42A27DB-BD31-4B8C-83A1-F6EECF244321}">
+                <p14:modId xmlns:p14="http://schemas.microsoft.com/office/powerpoint/2010/main" val="1711648228"/>
+              </p:ext>
+            </p:extLst>
+          </p:nvPr>
+        </p:nvGraphicFramePr>
+        <p:xfrm>
+          <a:off x="3490118" y="2065708"/>
+          <a:ext cx="5211764" cy="2595880"/>
+        </p:xfrm>
+        <a:graphic>
+          <a:graphicData uri="http://schemas.openxmlformats.org/drawingml/2006/table">
+            <a:tbl>
+              <a:tblPr firstRow="1" bandRow="1">
+                <a:tableStyleId>{073A0DAA-6AF3-43AB-8588-CEC1D06C72B9}</a:tableStyleId>
+              </a:tblPr>
+              <a:tblGrid>
+                <a:gridCol w="461395">
+                  <a:extLst>
+                    <a:ext uri="{9D8B030D-6E8A-4147-A177-3AD203B41FA5}">
+                      <a16:colId xmlns:a16="http://schemas.microsoft.com/office/drawing/2014/main" val="3751000300"/>
+                    </a:ext>
+                  </a:extLst>
+                </a:gridCol>
+                <a:gridCol w="1904301">
+                  <a:extLst>
+                    <a:ext uri="{9D8B030D-6E8A-4147-A177-3AD203B41FA5}">
+                      <a16:colId xmlns:a16="http://schemas.microsoft.com/office/drawing/2014/main" val="2571676932"/>
+                    </a:ext>
+                  </a:extLst>
+                </a:gridCol>
+                <a:gridCol w="2846068">
+                  <a:extLst>
+                    <a:ext uri="{9D8B030D-6E8A-4147-A177-3AD203B41FA5}">
+                      <a16:colId xmlns:a16="http://schemas.microsoft.com/office/drawing/2014/main" val="3373917379"/>
+                    </a:ext>
+                  </a:extLst>
+                </a:gridCol>
+              </a:tblGrid>
+              <a:tr h="370840">
+                <a:tc>
+                  <a:txBody>
+                    <a:bodyPr/>
+                    <a:lstStyle/>
+                    <a:p>
+                      <a:r>
+                        <a:rPr lang="en-GB" dirty="0"/>
+                        <a:t>Nr.</a:t>
+                      </a:r>
+                      <a:endParaRPr lang="en-NL" dirty="0"/>
+                    </a:p>
+                  </a:txBody>
+                  <a:tcPr>
+                    <a:solidFill>
+                      <a:srgbClr val="CF132C"/>
+                    </a:solidFill>
+                  </a:tcPr>
+                </a:tc>
+                <a:tc>
+                  <a:txBody>
+                    <a:bodyPr/>
+                    <a:lstStyle/>
+                    <a:p>
+                      <a:r>
+                        <a:rPr lang="en-GB" dirty="0"/>
+                        <a:t>Presenter</a:t>
+                      </a:r>
+                      <a:endParaRPr lang="en-NL" dirty="0"/>
+                    </a:p>
+                  </a:txBody>
+                  <a:tcPr>
+                    <a:solidFill>
+                      <a:srgbClr val="CF132C"/>
+                    </a:solidFill>
+                  </a:tcPr>
+                </a:tc>
+                <a:tc>
+                  <a:txBody>
+                    <a:bodyPr/>
+                    <a:lstStyle/>
+                    <a:p>
+                      <a:r>
+                        <a:rPr lang="en-GB" dirty="0"/>
+                        <a:t>Topic</a:t>
+                      </a:r>
+                      <a:endParaRPr lang="en-NL" dirty="0"/>
+                    </a:p>
+                  </a:txBody>
+                  <a:tcPr>
+                    <a:solidFill>
+                      <a:srgbClr val="CF132C"/>
+                    </a:solidFill>
+                  </a:tcPr>
+                </a:tc>
+                <a:extLst>
+                  <a:ext uri="{0D108BD9-81ED-4DB2-BD59-A6C34878D82A}">
+                    <a16:rowId xmlns:a16="http://schemas.microsoft.com/office/drawing/2014/main" val="4138856779"/>
+                  </a:ext>
+                </a:extLst>
+              </a:tr>
+              <a:tr h="370840">
+                <a:tc>
+                  <a:txBody>
+                    <a:bodyPr/>
+                    <a:lstStyle/>
+                    <a:p>
+                      <a:r>
+                        <a:rPr lang="en-GB" dirty="0"/>
+                        <a:t>1</a:t>
+                      </a:r>
+                      <a:endParaRPr lang="en-NL" dirty="0"/>
+                    </a:p>
+                  </a:txBody>
+                  <a:tcPr/>
+                </a:tc>
+                <a:tc>
+                  <a:txBody>
+                    <a:bodyPr/>
+                    <a:lstStyle/>
+                    <a:p>
+                      <a:r>
+                        <a:rPr lang="en-GB" dirty="0"/>
+                        <a:t>Ahmad</a:t>
+                      </a:r>
+                      <a:endParaRPr lang="en-NL" dirty="0"/>
+                    </a:p>
+                  </a:txBody>
+                  <a:tcPr/>
+                </a:tc>
+                <a:tc>
+                  <a:txBody>
+                    <a:bodyPr/>
+                    <a:lstStyle/>
+                    <a:p>
+                      <a:r>
+                        <a:rPr lang="en-GB" dirty="0"/>
+                        <a:t>Introduction</a:t>
+                      </a:r>
+                      <a:endParaRPr lang="en-NL" dirty="0"/>
+                    </a:p>
+                  </a:txBody>
+                  <a:tcPr>
+                    <a:solidFill>
+                      <a:schemeClr val="dk1">
+                        <a:tint val="40000"/>
+                      </a:schemeClr>
+                    </a:solidFill>
+                  </a:tcPr>
+                </a:tc>
+                <a:extLst>
+                  <a:ext uri="{0D108BD9-81ED-4DB2-BD59-A6C34878D82A}">
+                    <a16:rowId xmlns:a16="http://schemas.microsoft.com/office/drawing/2014/main" val="147343491"/>
+                  </a:ext>
+                </a:extLst>
+              </a:tr>
+              <a:tr h="370840">
+                <a:tc>
+                  <a:txBody>
+                    <a:bodyPr/>
+                    <a:lstStyle/>
+                    <a:p>
+                      <a:r>
+                        <a:rPr lang="en-GB" dirty="0"/>
+                        <a:t>2</a:t>
+                      </a:r>
+                      <a:endParaRPr lang="en-NL" dirty="0"/>
+                    </a:p>
+                  </a:txBody>
+                  <a:tcPr/>
+                </a:tc>
+                <a:tc>
+                  <a:txBody>
+                    <a:bodyPr/>
+                    <a:lstStyle/>
+                    <a:p>
+                      <a:r>
+                        <a:rPr lang="en-GB" dirty="0"/>
+                        <a:t>Stefan</a:t>
+                      </a:r>
+                      <a:endParaRPr lang="en-NL" dirty="0"/>
+                    </a:p>
+                  </a:txBody>
+                  <a:tcPr/>
+                </a:tc>
+                <a:tc>
+                  <a:txBody>
+                    <a:bodyPr/>
+                    <a:lstStyle/>
+                    <a:p>
+                      <a:r>
+                        <a:rPr lang="en-GB" dirty="0"/>
+                        <a:t>Teamwork and organisation </a:t>
+                      </a:r>
+                      <a:endParaRPr lang="en-NL" dirty="0"/>
+                    </a:p>
+                  </a:txBody>
+                  <a:tcPr/>
+                </a:tc>
+                <a:extLst>
+                  <a:ext uri="{0D108BD9-81ED-4DB2-BD59-A6C34878D82A}">
+                    <a16:rowId xmlns:a16="http://schemas.microsoft.com/office/drawing/2014/main" val="2775667126"/>
+                  </a:ext>
+                </a:extLst>
+              </a:tr>
+              <a:tr h="370840">
+                <a:tc>
+                  <a:txBody>
+                    <a:bodyPr/>
+                    <a:lstStyle/>
+                    <a:p>
+                      <a:r>
+                        <a:rPr lang="en-GB" dirty="0"/>
+                        <a:t>3</a:t>
+                      </a:r>
+                      <a:endParaRPr lang="en-NL" dirty="0"/>
+                    </a:p>
+                  </a:txBody>
+                  <a:tcPr/>
+                </a:tc>
+                <a:tc>
+                  <a:txBody>
+                    <a:bodyPr/>
+                    <a:lstStyle/>
+                    <a:p>
+                      <a:r>
+                        <a:rPr lang="en-GB" dirty="0"/>
+                        <a:t>Ivaylo</a:t>
+                      </a:r>
+                      <a:endParaRPr lang="en-NL" dirty="0"/>
+                    </a:p>
+                  </a:txBody>
+                  <a:tcPr/>
+                </a:tc>
+                <a:tc>
+                  <a:txBody>
+                    <a:bodyPr/>
+                    <a:lstStyle/>
+                    <a:p>
+                      <a:r>
+                        <a:rPr lang="en-GB" dirty="0"/>
+                        <a:t>System context </a:t>
+                      </a:r>
+                      <a:endParaRPr lang="en-NL" dirty="0"/>
+                    </a:p>
+                  </a:txBody>
+                  <a:tcPr/>
+                </a:tc>
+                <a:extLst>
+                  <a:ext uri="{0D108BD9-81ED-4DB2-BD59-A6C34878D82A}">
+                    <a16:rowId xmlns:a16="http://schemas.microsoft.com/office/drawing/2014/main" val="2510810491"/>
+                  </a:ext>
+                </a:extLst>
+              </a:tr>
+              <a:tr h="370840">
+                <a:tc>
+                  <a:txBody>
+                    <a:bodyPr/>
+                    <a:lstStyle/>
+                    <a:p>
+                      <a:r>
+                        <a:rPr lang="en-GB" dirty="0"/>
+                        <a:t>4</a:t>
+                      </a:r>
+                      <a:endParaRPr lang="en-NL" dirty="0"/>
+                    </a:p>
+                  </a:txBody>
+                  <a:tcPr/>
+                </a:tc>
+                <a:tc>
+                  <a:txBody>
+                    <a:bodyPr/>
+                    <a:lstStyle/>
+                    <a:p>
+                      <a:r>
+                        <a:rPr lang="en-GB" dirty="0"/>
+                        <a:t>Valentin</a:t>
+                      </a:r>
+                      <a:endParaRPr lang="en-NL" dirty="0"/>
+                    </a:p>
+                  </a:txBody>
+                  <a:tcPr/>
+                </a:tc>
+                <a:tc>
+                  <a:txBody>
+                    <a:bodyPr/>
+                    <a:lstStyle/>
+                    <a:p>
+                      <a:r>
+                        <a:rPr lang="en-GB" dirty="0"/>
+                        <a:t>Technicalities</a:t>
+                      </a:r>
+                      <a:endParaRPr lang="en-NL" dirty="0"/>
+                    </a:p>
+                  </a:txBody>
+                  <a:tcPr/>
+                </a:tc>
+                <a:extLst>
+                  <a:ext uri="{0D108BD9-81ED-4DB2-BD59-A6C34878D82A}">
+                    <a16:rowId xmlns:a16="http://schemas.microsoft.com/office/drawing/2014/main" val="954001351"/>
+                  </a:ext>
+                </a:extLst>
+              </a:tr>
+              <a:tr h="370840">
+                <a:tc>
+                  <a:txBody>
+                    <a:bodyPr/>
+                    <a:lstStyle/>
+                    <a:p>
+                      <a:r>
+                        <a:rPr lang="en-GB" dirty="0"/>
+                        <a:t>5</a:t>
+                      </a:r>
+                      <a:endParaRPr lang="en-NL" dirty="0"/>
+                    </a:p>
+                  </a:txBody>
+                  <a:tcPr/>
+                </a:tc>
+                <a:tc>
+                  <a:txBody>
+                    <a:bodyPr/>
+                    <a:lstStyle/>
+                    <a:p>
+                      <a:r>
+                        <a:rPr lang="en-GB" dirty="0"/>
+                        <a:t>Ahmad</a:t>
+                      </a:r>
+                      <a:endParaRPr lang="en-NL" dirty="0"/>
+                    </a:p>
+                  </a:txBody>
+                  <a:tcPr/>
+                </a:tc>
+                <a:tc>
+                  <a:txBody>
+                    <a:bodyPr/>
+                    <a:lstStyle/>
+                    <a:p>
+                      <a:r>
+                        <a:rPr lang="en-GB" dirty="0"/>
+                        <a:t>Conclusion</a:t>
+                      </a:r>
+                      <a:endParaRPr lang="en-NL" dirty="0"/>
+                    </a:p>
+                  </a:txBody>
+                  <a:tcPr/>
+                </a:tc>
+                <a:extLst>
+                  <a:ext uri="{0D108BD9-81ED-4DB2-BD59-A6C34878D82A}">
+                    <a16:rowId xmlns:a16="http://schemas.microsoft.com/office/drawing/2014/main" val="476181789"/>
+                  </a:ext>
+                </a:extLst>
+              </a:tr>
+              <a:tr h="370840">
+                <a:tc>
+                  <a:txBody>
+                    <a:bodyPr/>
+                    <a:lstStyle/>
+                    <a:p>
+                      <a:r>
+                        <a:rPr lang="en-GB" dirty="0"/>
+                        <a:t>6</a:t>
+                      </a:r>
+                      <a:endParaRPr lang="en-NL" dirty="0"/>
+                    </a:p>
+                  </a:txBody>
+                  <a:tcPr/>
+                </a:tc>
+                <a:tc>
+                  <a:txBody>
+                    <a:bodyPr/>
+                    <a:lstStyle/>
+                    <a:p>
+                      <a:r>
+                        <a:rPr lang="en-GB" dirty="0"/>
+                        <a:t>Valentin &amp; Ivaylo</a:t>
+                      </a:r>
+                      <a:endParaRPr lang="en-NL" dirty="0"/>
+                    </a:p>
+                  </a:txBody>
+                  <a:tcPr/>
+                </a:tc>
+                <a:tc>
+                  <a:txBody>
+                    <a:bodyPr/>
+                    <a:lstStyle/>
+                    <a:p>
+                      <a:r>
+                        <a:rPr lang="en-GB" dirty="0"/>
+                        <a:t>Demo</a:t>
+                      </a:r>
+                      <a:endParaRPr lang="en-NL" dirty="0"/>
+                    </a:p>
+                  </a:txBody>
+                  <a:tcPr/>
+                </a:tc>
+                <a:extLst>
+                  <a:ext uri="{0D108BD9-81ED-4DB2-BD59-A6C34878D82A}">
+                    <a16:rowId xmlns:a16="http://schemas.microsoft.com/office/drawing/2014/main" val="2199877157"/>
+                  </a:ext>
+                </a:extLst>
+              </a:tr>
+            </a:tbl>
+          </a:graphicData>
+        </a:graphic>
+      </p:graphicFrame>
     </p:spTree>
     <p:extLst>
       <p:ext uri="{BB962C8B-B14F-4D97-AF65-F5344CB8AC3E}">
-        <p14:creationId xmlns:p14="http://schemas.microsoft.com/office/powerpoint/2010/main" val="409098606"/>
+        <p14:creationId xmlns:p14="http://schemas.microsoft.com/office/powerpoint/2010/main" val="2833679665"/>
       </p:ext>
     </p:extLst>
   </p:cSld>
   <p:clrMapOvr>
     <a:masterClrMapping/>
   </p:clrMapOvr>
-  <mc:AlternateContent xmlns:mc="http://schemas.openxmlformats.org/markup-compatibility/2006" xmlns:p14="http://schemas.microsoft.com/office/powerpoint/2010/main">
-    <mc:Choice Requires="p14">
-      <p:transition spd="med" p14:dur="700">
-        <p:fade/>
-      </p:transition>
-    </mc:Choice>
-    <mc:Fallback xmlns="">
-      <p:transition spd="med">
-        <p:fade/>
-      </p:transition>
-    </mc:Fallback>
-  </mc:AlternateContent>
+  <p:transition>
+    <p:fade/>
+  </p:transition>
 </p:sld>
 </file>
 
-<file path=ppt/slides/slide4.xml><?xml version="1.0" encoding="utf-8"?>
+<file path=ppt/slides/slide3.xml><?xml version="1.0" encoding="utf-8"?>
 <p:sld xmlns:a="http://schemas.openxmlformats.org/drawingml/2006/main" xmlns:r="http://schemas.openxmlformats.org/officeDocument/2006/relationships" xmlns:p="http://schemas.openxmlformats.org/presentationml/2006/main">
   <p:cSld>
-    <p:bg>
-      <p:bgPr>
-        <a:blipFill dpi="0" rotWithShape="1">
-          <a:blip r:embed="rId2">
-            <a:alphaModFix amt="50000"/>
-            <a:lum/>
-          </a:blip>
-          <a:srcRect/>
-          <a:stretch>
-            <a:fillRect t="-9000" b="-9000"/>
-          </a:stretch>
-        </a:blipFill>
-        <a:effectLst/>
-      </p:bgPr>
-    </p:bg>
     <p:spTree>
       <p:nvGrpSpPr>
         <p:cNvPr id="1" name=""/>
@@ -4205,34 +4629,74 @@
           <a:chExt cx="0" cy="0"/>
         </a:xfrm>
       </p:grpSpPr>
-      <p:sp>
-        <p:nvSpPr>
-          <p:cNvPr id="6" name="TextBox 5">
-            <a:extLst>
-              <a:ext uri="{FF2B5EF4-FFF2-40B4-BE49-F238E27FC236}">
-                <a16:creationId xmlns:a16="http://schemas.microsoft.com/office/drawing/2014/main" id="{36187531-5956-4211-BD01-9B7650C16510}"/>
-              </a:ext>
-            </a:extLst>
-          </p:cNvPr>
-          <p:cNvSpPr txBox="1"/>
+      <p:pic>
+        <p:nvPicPr>
+          <p:cNvPr id="3074" name="Picture 2" descr="Airios I We build for comfort I Home">
+            <a:extLst>
+              <a:ext uri="{FF2B5EF4-FFF2-40B4-BE49-F238E27FC236}">
+                <a16:creationId xmlns:a16="http://schemas.microsoft.com/office/drawing/2014/main" id="{F04C1FE4-1909-40A5-ACBF-EBDA761AC14D}"/>
+              </a:ext>
+            </a:extLst>
+          </p:cNvPr>
+          <p:cNvPicPr>
+            <a:picLocks noChangeAspect="1" noChangeArrowheads="1"/>
+          </p:cNvPicPr>
           <p:nvPr/>
-        </p:nvSpPr>
-        <p:spPr>
+        </p:nvPicPr>
+        <p:blipFill>
+          <a:blip r:embed="rId2">
+            <a:extLst>
+              <a:ext uri="{28A0092B-C50C-407E-A947-70E740481C1C}">
+                <a14:useLocalDpi xmlns:a14="http://schemas.microsoft.com/office/drawing/2010/main" val="0"/>
+              </a:ext>
+            </a:extLst>
+          </a:blip>
+          <a:srcRect/>
+          <a:stretch>
+            <a:fillRect/>
+          </a:stretch>
+        </p:blipFill>
+        <p:spPr bwMode="auto">
           <a:xfrm>
-            <a:off x="1978867" y="1268959"/>
-            <a:ext cx="9385819" cy="5262979"/>
+            <a:off x="680675" y="5703240"/>
+            <a:ext cx="2551288" cy="1339426"/>
           </a:xfrm>
           <a:prstGeom prst="rect">
             <a:avLst/>
           </a:prstGeom>
           <a:noFill/>
-          <a:effectLst>
-            <a:outerShdw blurRad="50800" dist="38100" dir="8100000" algn="tr" rotWithShape="0">
-              <a:prstClr val="black">
-                <a:alpha val="40000"/>
-              </a:prstClr>
-            </a:outerShdw>
-          </a:effectLst>
+          <a:extLst>
+            <a:ext uri="{909E8E84-426E-40DD-AFC4-6F175D3DCCD1}">
+              <a14:hiddenFill xmlns:a14="http://schemas.microsoft.com/office/drawing/2010/main">
+                <a:solidFill>
+                  <a:srgbClr val="FFFFFF"/>
+                </a:solidFill>
+              </a14:hiddenFill>
+            </a:ext>
+          </a:extLst>
+        </p:spPr>
+      </p:pic>
+      <p:sp>
+        <p:nvSpPr>
+          <p:cNvPr id="4" name="TextBox 3">
+            <a:extLst>
+              <a:ext uri="{FF2B5EF4-FFF2-40B4-BE49-F238E27FC236}">
+                <a16:creationId xmlns:a16="http://schemas.microsoft.com/office/drawing/2014/main" id="{B6CCF1F1-216B-4FDE-8477-127028475E8D}"/>
+              </a:ext>
+            </a:extLst>
+          </p:cNvPr>
+          <p:cNvSpPr txBox="1"/>
+          <p:nvPr/>
+        </p:nvSpPr>
+        <p:spPr>
+          <a:xfrm>
+            <a:off x="587023" y="5518574"/>
+            <a:ext cx="11604977" cy="369332"/>
+          </a:xfrm>
+          <a:prstGeom prst="rect">
+            <a:avLst/>
+          </a:prstGeom>
+          <a:noFill/>
         </p:spPr>
         <p:txBody>
           <a:bodyPr wrap="square" rtlCol="0">
@@ -4241,127 +4705,180 @@
           <a:lstStyle/>
           <a:p>
             <a:r>
-              <a:rPr lang="en-GB" sz="4400" dirty="0">
-                <a:latin typeface="Acumin Pro Wide Extra Light" panose="020B0305020202020204" pitchFamily="34" charset="0"/>
+              <a:rPr lang="en-GB" dirty="0"/>
+              <a:t>_______________________________________________________________________________________________</a:t>
+            </a:r>
+            <a:endParaRPr lang="en-NL" dirty="0"/>
+          </a:p>
+        </p:txBody>
+      </p:sp>
+      <p:sp>
+        <p:nvSpPr>
+          <p:cNvPr id="6" name="TextBox 5">
+            <a:extLst>
+              <a:ext uri="{FF2B5EF4-FFF2-40B4-BE49-F238E27FC236}">
+                <a16:creationId xmlns:a16="http://schemas.microsoft.com/office/drawing/2014/main" id="{D8AA2EDB-D011-4256-81C4-6018D41BB8FE}"/>
+              </a:ext>
+            </a:extLst>
+          </p:cNvPr>
+          <p:cNvSpPr txBox="1"/>
+          <p:nvPr/>
+        </p:nvSpPr>
+        <p:spPr>
+          <a:xfrm>
+            <a:off x="2150689" y="1290914"/>
+            <a:ext cx="3945311" cy="2739211"/>
+          </a:xfrm>
+          <a:prstGeom prst="rect">
+            <a:avLst/>
+          </a:prstGeom>
+          <a:noFill/>
+        </p:spPr>
+        <p:txBody>
+          <a:bodyPr wrap="none" rtlCol="0">
+            <a:spAutoFit/>
+          </a:bodyPr>
+          <a:lstStyle/>
+          <a:p>
+            <a:r>
+              <a:rPr lang="en-GB" sz="3200" b="1" dirty="0">
+                <a:latin typeface="Arial" panose="020B0604020202020204" pitchFamily="34" charset="0"/>
+                <a:cs typeface="Arial" panose="020B0604020202020204" pitchFamily="34" charset="0"/>
               </a:rPr>
-              <a:t>Way of working</a:t>
-            </a:r>
-          </a:p>
-          <a:p>
-            <a:pPr marL="571500" indent="-571500">
-              <a:buFont typeface="Wingdings" panose="05000000000000000000" pitchFamily="2" charset="2"/>
-              <a:buChar char="§"/>
-            </a:pPr>
-            <a:r>
-              <a:rPr lang="en-GB" sz="4400" dirty="0">
-                <a:latin typeface="Acumin Pro Wide Thin" panose="020B0205020202020204" pitchFamily="34" charset="0"/>
+              <a:t>Problem</a:t>
+            </a:r>
+          </a:p>
+          <a:p>
+            <a:r>
+              <a:rPr lang="en-GB" sz="2800" dirty="0">
+                <a:latin typeface="Arial" panose="020B0604020202020204" pitchFamily="34" charset="0"/>
+                <a:cs typeface="Arial" panose="020B0604020202020204" pitchFamily="34" charset="0"/>
               </a:rPr>
-              <a:t>Internal/external deadlines</a:t>
-            </a:r>
-          </a:p>
-          <a:p>
-            <a:pPr marL="571500" indent="-571500">
-              <a:buFont typeface="Wingdings" panose="05000000000000000000" pitchFamily="2" charset="2"/>
-              <a:buChar char="§"/>
-            </a:pPr>
-            <a:r>
-              <a:rPr lang="en-GB" sz="4400" dirty="0">
-                <a:latin typeface="Acumin Pro Wide Thin" panose="020B0205020202020204" pitchFamily="34" charset="0"/>
+              <a:t>- Lavishly insulated </a:t>
+            </a:r>
+          </a:p>
+          <a:p>
+            <a:r>
+              <a:rPr lang="en-GB" sz="2800" dirty="0">
+                <a:latin typeface="Arial" panose="020B0604020202020204" pitchFamily="34" charset="0"/>
+                <a:cs typeface="Arial" panose="020B0604020202020204" pitchFamily="34" charset="0"/>
               </a:rPr>
-              <a:t>Group meetings</a:t>
-            </a:r>
-          </a:p>
-          <a:p>
-            <a:pPr marL="571500" indent="-571500">
-              <a:buFont typeface="Wingdings" panose="05000000000000000000" pitchFamily="2" charset="2"/>
-              <a:buChar char="§"/>
-            </a:pPr>
-            <a:r>
-              <a:rPr lang="en-GB" sz="4400" dirty="0">
-                <a:latin typeface="Acumin Pro Wide Thin" panose="020B0205020202020204" pitchFamily="34" charset="0"/>
+              <a:t>house with poor </a:t>
+            </a:r>
+          </a:p>
+          <a:p>
+            <a:r>
+              <a:rPr lang="en-GB" sz="2800" dirty="0">
+                <a:latin typeface="Arial" panose="020B0604020202020204" pitchFamily="34" charset="0"/>
+                <a:cs typeface="Arial" panose="020B0604020202020204" pitchFamily="34" charset="0"/>
               </a:rPr>
-              <a:t>Communication messenger</a:t>
-            </a:r>
-          </a:p>
-          <a:p>
-            <a:pPr marL="571500" indent="-571500">
-              <a:buFont typeface="Wingdings" panose="05000000000000000000" pitchFamily="2" charset="2"/>
-              <a:buChar char="§"/>
-            </a:pPr>
-            <a:r>
-              <a:rPr lang="en-GB" sz="4400" dirty="0">
-                <a:latin typeface="Acumin Pro Wide Thin" panose="020B0205020202020204" pitchFamily="34" charset="0"/>
+              <a:t>ventilation</a:t>
+            </a:r>
+          </a:p>
+          <a:p>
+            <a:r>
+              <a:rPr lang="en-GB" sz="2800" dirty="0">
+                <a:latin typeface="Arial" panose="020B0604020202020204" pitchFamily="34" charset="0"/>
+                <a:cs typeface="Arial" panose="020B0604020202020204" pitchFamily="34" charset="0"/>
               </a:rPr>
-              <a:t>Feedback teacher</a:t>
-            </a:r>
-          </a:p>
-          <a:p>
-            <a:pPr marL="571500" indent="-571500">
-              <a:buFont typeface="Wingdings" panose="05000000000000000000" pitchFamily="2" charset="2"/>
-              <a:buChar char="§"/>
-            </a:pPr>
-            <a:r>
-              <a:rPr lang="en-GB" sz="4400" dirty="0">
-                <a:latin typeface="Acumin Pro Wide Thin" panose="020B0205020202020204" pitchFamily="34" charset="0"/>
+              <a:t>- Unnoticed high values</a:t>
+            </a:r>
+          </a:p>
+          <a:p>
+            <a:r>
+              <a:rPr lang="en-GB" sz="2800" dirty="0">
+                <a:latin typeface="Arial" panose="020B0604020202020204" pitchFamily="34" charset="0"/>
+                <a:cs typeface="Arial" panose="020B0604020202020204" pitchFamily="34" charset="0"/>
               </a:rPr>
-              <a:t>Meeting customer</a:t>
-            </a:r>
-          </a:p>
-          <a:p>
-            <a:endParaRPr lang="en-GB" sz="3600" dirty="0">
-              <a:latin typeface="Acumin Pro Wide Thin" panose="020B0205020202020204" pitchFamily="34" charset="0"/>
-            </a:endParaRPr>
-          </a:p>
-          <a:p>
-            <a:endParaRPr lang="en-NL" sz="3600" dirty="0">
-              <a:latin typeface="Acumin Pro Wide Thin" panose="020B0205020202020204" pitchFamily="34" charset="0"/>
-            </a:endParaRPr>
+              <a:t>of dangerous gases</a:t>
+            </a:r>
+          </a:p>
+        </p:txBody>
+      </p:sp>
+      <p:sp>
+        <p:nvSpPr>
+          <p:cNvPr id="8" name="TextBox 7">
+            <a:extLst>
+              <a:ext uri="{FF2B5EF4-FFF2-40B4-BE49-F238E27FC236}">
+                <a16:creationId xmlns:a16="http://schemas.microsoft.com/office/drawing/2014/main" id="{5A5BC64A-7B13-4124-89F4-476EBA1F1557}"/>
+              </a:ext>
+            </a:extLst>
+          </p:cNvPr>
+          <p:cNvSpPr txBox="1"/>
+          <p:nvPr/>
+        </p:nvSpPr>
+        <p:spPr>
+          <a:xfrm>
+            <a:off x="6389511" y="1290914"/>
+            <a:ext cx="2502608" cy="1877437"/>
+          </a:xfrm>
+          <a:prstGeom prst="rect">
+            <a:avLst/>
+          </a:prstGeom>
+          <a:noFill/>
+        </p:spPr>
+        <p:txBody>
+          <a:bodyPr wrap="none" rtlCol="0">
+            <a:spAutoFit/>
+          </a:bodyPr>
+          <a:lstStyle/>
+          <a:p>
+            <a:r>
+              <a:rPr lang="en-GB" sz="3200" b="1" dirty="0">
+                <a:latin typeface="Arial" panose="020B0604020202020204" pitchFamily="34" charset="0"/>
+                <a:cs typeface="Arial" panose="020B0604020202020204" pitchFamily="34" charset="0"/>
+              </a:rPr>
+              <a:t>Solution</a:t>
+            </a:r>
+          </a:p>
+          <a:p>
+            <a:r>
+              <a:rPr lang="en-GB" sz="2800" dirty="0">
+                <a:latin typeface="Arial" panose="020B0604020202020204" pitchFamily="34" charset="0"/>
+                <a:cs typeface="Arial" panose="020B0604020202020204" pitchFamily="34" charset="0"/>
+              </a:rPr>
+              <a:t>- Automated </a:t>
+            </a:r>
+          </a:p>
+          <a:p>
+            <a:r>
+              <a:rPr lang="en-GB" sz="2800" dirty="0">
+                <a:latin typeface="Arial" panose="020B0604020202020204" pitchFamily="34" charset="0"/>
+                <a:cs typeface="Arial" panose="020B0604020202020204" pitchFamily="34" charset="0"/>
+              </a:rPr>
+              <a:t>indoor climate</a:t>
+            </a:r>
+          </a:p>
+          <a:p>
+            <a:r>
+              <a:rPr lang="en-GB" sz="2800" dirty="0">
+                <a:latin typeface="Arial" panose="020B0604020202020204" pitchFamily="34" charset="0"/>
+                <a:cs typeface="Arial" panose="020B0604020202020204" pitchFamily="34" charset="0"/>
+              </a:rPr>
+              <a:t>control system</a:t>
+            </a:r>
           </a:p>
         </p:txBody>
       </p:sp>
     </p:spTree>
     <p:extLst>
       <p:ext uri="{BB962C8B-B14F-4D97-AF65-F5344CB8AC3E}">
-        <p14:creationId xmlns:p14="http://schemas.microsoft.com/office/powerpoint/2010/main" val="4048656582"/>
+        <p14:creationId xmlns:p14="http://schemas.microsoft.com/office/powerpoint/2010/main" val="3804273301"/>
       </p:ext>
     </p:extLst>
   </p:cSld>
   <p:clrMapOvr>
     <a:masterClrMapping/>
   </p:clrMapOvr>
-  <mc:AlternateContent xmlns:mc="http://schemas.openxmlformats.org/markup-compatibility/2006" xmlns:p14="http://schemas.microsoft.com/office/powerpoint/2010/main">
-    <mc:Choice Requires="p14">
-      <p:transition spd="med" p14:dur="700">
-        <p:fade/>
-      </p:transition>
-    </mc:Choice>
-    <mc:Fallback xmlns="">
-      <p:transition spd="med">
-        <p:fade/>
-      </p:transition>
-    </mc:Fallback>
-  </mc:AlternateContent>
+  <p:transition>
+    <p:fade/>
+  </p:transition>
 </p:sld>
 </file>
 
-<file path=ppt/slides/slide5.xml><?xml version="1.0" encoding="utf-8"?>
+<file path=ppt/slides/slide4.xml><?xml version="1.0" encoding="utf-8"?>
 <p:sld xmlns:a="http://schemas.openxmlformats.org/drawingml/2006/main" xmlns:r="http://schemas.openxmlformats.org/officeDocument/2006/relationships" xmlns:p="http://schemas.openxmlformats.org/presentationml/2006/main">
   <p:cSld>
-    <p:bg>
-      <p:bgPr>
-        <a:blipFill dpi="0" rotWithShape="1">
-          <a:blip r:embed="rId2">
-            <a:alphaModFix amt="50000"/>
-            <a:lum/>
-          </a:blip>
-          <a:srcRect/>
-          <a:stretch>
-            <a:fillRect t="-9000" b="-9000"/>
-          </a:stretch>
-        </a:blipFill>
-        <a:effectLst/>
-      </p:bgPr>
-    </p:bg>
     <p:spTree>
       <p:nvGrpSpPr>
         <p:cNvPr id="1" name=""/>
@@ -4376,34 +4893,74 @@
           <a:chExt cx="0" cy="0"/>
         </a:xfrm>
       </p:grpSpPr>
-      <p:sp>
-        <p:nvSpPr>
-          <p:cNvPr id="6" name="TextBox 5">
-            <a:extLst>
-              <a:ext uri="{FF2B5EF4-FFF2-40B4-BE49-F238E27FC236}">
-                <a16:creationId xmlns:a16="http://schemas.microsoft.com/office/drawing/2014/main" id="{36187531-5956-4211-BD01-9B7650C16510}"/>
-              </a:ext>
-            </a:extLst>
-          </p:cNvPr>
-          <p:cNvSpPr txBox="1"/>
+      <p:pic>
+        <p:nvPicPr>
+          <p:cNvPr id="3074" name="Picture 2" descr="Airios I We build for comfort I Home">
+            <a:extLst>
+              <a:ext uri="{FF2B5EF4-FFF2-40B4-BE49-F238E27FC236}">
+                <a16:creationId xmlns:a16="http://schemas.microsoft.com/office/drawing/2014/main" id="{F04C1FE4-1909-40A5-ACBF-EBDA761AC14D}"/>
+              </a:ext>
+            </a:extLst>
+          </p:cNvPr>
+          <p:cNvPicPr>
+            <a:picLocks noChangeAspect="1" noChangeArrowheads="1"/>
+          </p:cNvPicPr>
           <p:nvPr/>
-        </p:nvSpPr>
-        <p:spPr>
+        </p:nvPicPr>
+        <p:blipFill>
+          <a:blip r:embed="rId2">
+            <a:extLst>
+              <a:ext uri="{28A0092B-C50C-407E-A947-70E740481C1C}">
+                <a14:useLocalDpi xmlns:a14="http://schemas.microsoft.com/office/drawing/2010/main" val="0"/>
+              </a:ext>
+            </a:extLst>
+          </a:blip>
+          <a:srcRect/>
+          <a:stretch>
+            <a:fillRect/>
+          </a:stretch>
+        </p:blipFill>
+        <p:spPr bwMode="auto">
           <a:xfrm>
-            <a:off x="2202801" y="1287621"/>
-            <a:ext cx="9637746" cy="3908762"/>
+            <a:off x="680675" y="5703240"/>
+            <a:ext cx="2551288" cy="1339426"/>
           </a:xfrm>
           <a:prstGeom prst="rect">
             <a:avLst/>
           </a:prstGeom>
           <a:noFill/>
-          <a:effectLst>
-            <a:outerShdw blurRad="50800" dist="38100" dir="8100000" algn="tr" rotWithShape="0">
-              <a:prstClr val="black">
-                <a:alpha val="40000"/>
-              </a:prstClr>
-            </a:outerShdw>
-          </a:effectLst>
+          <a:extLst>
+            <a:ext uri="{909E8E84-426E-40DD-AFC4-6F175D3DCCD1}">
+              <a14:hiddenFill xmlns:a14="http://schemas.microsoft.com/office/drawing/2010/main">
+                <a:solidFill>
+                  <a:srgbClr val="FFFFFF"/>
+                </a:solidFill>
+              </a14:hiddenFill>
+            </a:ext>
+          </a:extLst>
+        </p:spPr>
+      </p:pic>
+      <p:sp>
+        <p:nvSpPr>
+          <p:cNvPr id="4" name="TextBox 3">
+            <a:extLst>
+              <a:ext uri="{FF2B5EF4-FFF2-40B4-BE49-F238E27FC236}">
+                <a16:creationId xmlns:a16="http://schemas.microsoft.com/office/drawing/2014/main" id="{B6CCF1F1-216B-4FDE-8477-127028475E8D}"/>
+              </a:ext>
+            </a:extLst>
+          </p:cNvPr>
+          <p:cNvSpPr txBox="1"/>
+          <p:nvPr/>
+        </p:nvSpPr>
+        <p:spPr>
+          <a:xfrm>
+            <a:off x="587023" y="5518574"/>
+            <a:ext cx="11604977" cy="369332"/>
+          </a:xfrm>
+          <a:prstGeom prst="rect">
+            <a:avLst/>
+          </a:prstGeom>
+          <a:noFill/>
         </p:spPr>
         <p:txBody>
           <a:bodyPr wrap="square" rtlCol="0">
@@ -4412,86 +4969,693 @@
           <a:lstStyle/>
           <a:p>
             <a:r>
-              <a:rPr lang="en-GB" sz="4400" dirty="0">
-                <a:latin typeface="Acumin Pro Wide Extra Light" panose="020B0305020202020204" pitchFamily="34" charset="0"/>
+              <a:rPr lang="en-GB" dirty="0"/>
+              <a:t>_______________________________________________________________________________________________</a:t>
+            </a:r>
+            <a:endParaRPr lang="en-NL" dirty="0"/>
+          </a:p>
+        </p:txBody>
+      </p:sp>
+      <p:sp>
+        <p:nvSpPr>
+          <p:cNvPr id="5" name="TextBox 4">
+            <a:extLst>
+              <a:ext uri="{FF2B5EF4-FFF2-40B4-BE49-F238E27FC236}">
+                <a16:creationId xmlns:a16="http://schemas.microsoft.com/office/drawing/2014/main" id="{4ADB90CD-63B6-48E1-B922-A7DD9CCE1921}"/>
+              </a:ext>
+            </a:extLst>
+          </p:cNvPr>
+          <p:cNvSpPr txBox="1"/>
+          <p:nvPr/>
+        </p:nvSpPr>
+        <p:spPr>
+          <a:xfrm>
+            <a:off x="3918961" y="1535907"/>
+            <a:ext cx="4354077" cy="2554545"/>
+          </a:xfrm>
+          <a:prstGeom prst="rect">
+            <a:avLst/>
+          </a:prstGeom>
+          <a:noFill/>
+        </p:spPr>
+        <p:txBody>
+          <a:bodyPr wrap="none" rtlCol="0">
+            <a:spAutoFit/>
+          </a:bodyPr>
+          <a:lstStyle/>
+          <a:p>
+            <a:r>
+              <a:rPr lang="en-GB" sz="3200" b="1" dirty="0">
+                <a:latin typeface="Arial" panose="020B0604020202020204" pitchFamily="34" charset="0"/>
+                <a:cs typeface="Arial" panose="020B0604020202020204" pitchFamily="34" charset="0"/>
               </a:rPr>
-              <a:t>Configuration management</a:t>
-            </a:r>
-          </a:p>
-          <a:p>
-            <a:pPr marL="571500" indent="-571500">
-              <a:buFont typeface="Wingdings" panose="05000000000000000000" pitchFamily="2" charset="2"/>
-              <a:buChar char="§"/>
+              <a:t>System requirements</a:t>
+            </a:r>
+          </a:p>
+          <a:p>
+            <a:pPr marL="457200" indent="-457200">
+              <a:buFontTx/>
+              <a:buChar char="-"/>
             </a:pPr>
             <a:r>
-              <a:rPr lang="en-GB" sz="4400" dirty="0">
-                <a:latin typeface="Acumin Pro Wide Thin" panose="020B0205020202020204" pitchFamily="34" charset="0"/>
+              <a:rPr lang="en-GB" sz="3200" dirty="0">
+                <a:latin typeface="Arial" panose="020B0604020202020204" pitchFamily="34" charset="0"/>
+                <a:cs typeface="Arial" panose="020B0604020202020204" pitchFamily="34" charset="0"/>
               </a:rPr>
-              <a:t>Git</a:t>
-            </a:r>
-          </a:p>
-          <a:p>
-            <a:pPr marL="571500" indent="-571500">
-              <a:buFont typeface="Wingdings" panose="05000000000000000000" pitchFamily="2" charset="2"/>
-              <a:buChar char="§"/>
+              <a:t>Autonomous</a:t>
+            </a:r>
+          </a:p>
+          <a:p>
+            <a:pPr marL="457200" indent="-457200">
+              <a:buFontTx/>
+              <a:buChar char="-"/>
             </a:pPr>
             <a:r>
-              <a:rPr lang="en-GB" sz="4400" dirty="0">
-                <a:latin typeface="Acumin Pro Wide Thin" panose="020B0205020202020204" pitchFamily="34" charset="0"/>
+              <a:rPr lang="en-GB" sz="3200" dirty="0">
+                <a:latin typeface="Arial" panose="020B0604020202020204" pitchFamily="34" charset="0"/>
+                <a:cs typeface="Arial" panose="020B0604020202020204" pitchFamily="34" charset="0"/>
               </a:rPr>
-              <a:t>Feedback group members</a:t>
-            </a:r>
-          </a:p>
-          <a:p>
-            <a:pPr marL="571500" indent="-571500">
-              <a:buFont typeface="Wingdings" panose="05000000000000000000" pitchFamily="2" charset="2"/>
-              <a:buChar char="§"/>
+              <a:t>Highly compatible</a:t>
+            </a:r>
+          </a:p>
+          <a:p>
+            <a:pPr marL="457200" indent="-457200">
+              <a:buFontTx/>
+              <a:buChar char="-"/>
             </a:pPr>
             <a:r>
-              <a:rPr lang="en-GB" sz="4400" dirty="0">
-                <a:latin typeface="Acumin Pro Wide Thin" panose="020B0205020202020204" pitchFamily="34" charset="0"/>
+              <a:rPr lang="en-GB" sz="3200" dirty="0">
+                <a:latin typeface="Arial" panose="020B0604020202020204" pitchFamily="34" charset="0"/>
+                <a:cs typeface="Arial" panose="020B0604020202020204" pitchFamily="34" charset="0"/>
               </a:rPr>
-              <a:t>Branches</a:t>
-            </a:r>
-          </a:p>
-          <a:p>
-            <a:endParaRPr lang="en-GB" sz="3600" dirty="0">
-              <a:latin typeface="Acumin Pro Wide Thin" panose="020B0205020202020204" pitchFamily="34" charset="0"/>
-            </a:endParaRPr>
-          </a:p>
-          <a:p>
-            <a:endParaRPr lang="en-NL" sz="3600" dirty="0">
-              <a:latin typeface="Acumin Pro Wide Thin" panose="020B0205020202020204" pitchFamily="34" charset="0"/>
-            </a:endParaRPr>
+              <a:t>Customer friendly</a:t>
+            </a:r>
+          </a:p>
+          <a:p>
+            <a:pPr marL="457200" indent="-457200">
+              <a:buFontTx/>
+              <a:buChar char="-"/>
+            </a:pPr>
+            <a:r>
+              <a:rPr lang="en-GB" sz="3200" dirty="0">
+                <a:latin typeface="Arial" panose="020B0604020202020204" pitchFamily="34" charset="0"/>
+                <a:cs typeface="Arial" panose="020B0604020202020204" pitchFamily="34" charset="0"/>
+              </a:rPr>
+              <a:t>Secure </a:t>
+            </a:r>
           </a:p>
         </p:txBody>
       </p:sp>
     </p:spTree>
     <p:extLst>
       <p:ext uri="{BB962C8B-B14F-4D97-AF65-F5344CB8AC3E}">
-        <p14:creationId xmlns:p14="http://schemas.microsoft.com/office/powerpoint/2010/main" val="1334111737"/>
+        <p14:creationId xmlns:p14="http://schemas.microsoft.com/office/powerpoint/2010/main" val="2402247519"/>
       </p:ext>
     </p:extLst>
   </p:cSld>
   <p:clrMapOvr>
     <a:masterClrMapping/>
   </p:clrMapOvr>
-  <mc:AlternateContent xmlns:mc="http://schemas.openxmlformats.org/markup-compatibility/2006" xmlns:p14="http://schemas.microsoft.com/office/powerpoint/2010/main">
-    <mc:Choice Requires="p14">
-      <p:transition spd="med" p14:dur="700">
-        <p:fade/>
-      </p:transition>
-    </mc:Choice>
-    <mc:Fallback xmlns="">
-      <p:transition spd="med">
-        <p:fade/>
-      </p:transition>
-    </mc:Fallback>
-  </mc:AlternateContent>
+  <p:transition>
+    <p:fade/>
+  </p:transition>
+</p:sld>
+</file>
+
+<file path=ppt/slides/slide5.xml><?xml version="1.0" encoding="utf-8"?>
+<p:sld xmlns:a="http://schemas.openxmlformats.org/drawingml/2006/main" xmlns:r="http://schemas.openxmlformats.org/officeDocument/2006/relationships" xmlns:p="http://schemas.openxmlformats.org/presentationml/2006/main">
+  <p:cSld>
+    <p:spTree>
+      <p:nvGrpSpPr>
+        <p:cNvPr id="1" name=""/>
+        <p:cNvGrpSpPr/>
+        <p:nvPr/>
+      </p:nvGrpSpPr>
+      <p:grpSpPr>
+        <a:xfrm>
+          <a:off x="0" y="0"/>
+          <a:ext cx="0" cy="0"/>
+          <a:chOff x="0" y="0"/>
+          <a:chExt cx="0" cy="0"/>
+        </a:xfrm>
+      </p:grpSpPr>
+      <p:pic>
+        <p:nvPicPr>
+          <p:cNvPr id="3074" name="Picture 2" descr="Airios I We build for comfort I Home">
+            <a:extLst>
+              <a:ext uri="{FF2B5EF4-FFF2-40B4-BE49-F238E27FC236}">
+                <a16:creationId xmlns:a16="http://schemas.microsoft.com/office/drawing/2014/main" id="{F04C1FE4-1909-40A5-ACBF-EBDA761AC14D}"/>
+              </a:ext>
+            </a:extLst>
+          </p:cNvPr>
+          <p:cNvPicPr>
+            <a:picLocks noChangeAspect="1" noChangeArrowheads="1"/>
+          </p:cNvPicPr>
+          <p:nvPr/>
+        </p:nvPicPr>
+        <p:blipFill>
+          <a:blip r:embed="rId2">
+            <a:extLst>
+              <a:ext uri="{28A0092B-C50C-407E-A947-70E740481C1C}">
+                <a14:useLocalDpi xmlns:a14="http://schemas.microsoft.com/office/drawing/2010/main" val="0"/>
+              </a:ext>
+            </a:extLst>
+          </a:blip>
+          <a:srcRect/>
+          <a:stretch>
+            <a:fillRect/>
+          </a:stretch>
+        </p:blipFill>
+        <p:spPr bwMode="auto">
+          <a:xfrm>
+            <a:off x="680675" y="5703240"/>
+            <a:ext cx="2551288" cy="1339426"/>
+          </a:xfrm>
+          <a:prstGeom prst="rect">
+            <a:avLst/>
+          </a:prstGeom>
+          <a:noFill/>
+          <a:extLst>
+            <a:ext uri="{909E8E84-426E-40DD-AFC4-6F175D3DCCD1}">
+              <a14:hiddenFill xmlns:a14="http://schemas.microsoft.com/office/drawing/2010/main">
+                <a:solidFill>
+                  <a:srgbClr val="FFFFFF"/>
+                </a:solidFill>
+              </a14:hiddenFill>
+            </a:ext>
+          </a:extLst>
+        </p:spPr>
+      </p:pic>
+      <p:sp>
+        <p:nvSpPr>
+          <p:cNvPr id="4" name="TextBox 3">
+            <a:extLst>
+              <a:ext uri="{FF2B5EF4-FFF2-40B4-BE49-F238E27FC236}">
+                <a16:creationId xmlns:a16="http://schemas.microsoft.com/office/drawing/2014/main" id="{B6CCF1F1-216B-4FDE-8477-127028475E8D}"/>
+              </a:ext>
+            </a:extLst>
+          </p:cNvPr>
+          <p:cNvSpPr txBox="1"/>
+          <p:nvPr/>
+        </p:nvSpPr>
+        <p:spPr>
+          <a:xfrm>
+            <a:off x="587023" y="5518574"/>
+            <a:ext cx="11604977" cy="369332"/>
+          </a:xfrm>
+          <a:prstGeom prst="rect">
+            <a:avLst/>
+          </a:prstGeom>
+          <a:noFill/>
+        </p:spPr>
+        <p:txBody>
+          <a:bodyPr wrap="square" rtlCol="0">
+            <a:spAutoFit/>
+          </a:bodyPr>
+          <a:lstStyle/>
+          <a:p>
+            <a:r>
+              <a:rPr lang="en-GB" dirty="0"/>
+              <a:t>_______________________________________________________________________________________________</a:t>
+            </a:r>
+            <a:endParaRPr lang="en-NL" dirty="0"/>
+          </a:p>
+        </p:txBody>
+      </p:sp>
+      <p:sp>
+        <p:nvSpPr>
+          <p:cNvPr id="5" name="TextBox 4">
+            <a:extLst>
+              <a:ext uri="{FF2B5EF4-FFF2-40B4-BE49-F238E27FC236}">
+                <a16:creationId xmlns:a16="http://schemas.microsoft.com/office/drawing/2014/main" id="{FD0B3A40-6AD0-4DF5-8761-8337E8192883}"/>
+              </a:ext>
+            </a:extLst>
+          </p:cNvPr>
+          <p:cNvSpPr txBox="1"/>
+          <p:nvPr/>
+        </p:nvSpPr>
+        <p:spPr>
+          <a:xfrm>
+            <a:off x="3803706" y="1517245"/>
+            <a:ext cx="5238935" cy="2554545"/>
+          </a:xfrm>
+          <a:prstGeom prst="rect">
+            <a:avLst/>
+          </a:prstGeom>
+          <a:noFill/>
+        </p:spPr>
+        <p:txBody>
+          <a:bodyPr wrap="none" rtlCol="0">
+            <a:spAutoFit/>
+          </a:bodyPr>
+          <a:lstStyle/>
+          <a:p>
+            <a:r>
+              <a:rPr lang="en-GB" sz="3200" b="1" dirty="0">
+                <a:latin typeface="Arial" panose="020B0604020202020204" pitchFamily="34" charset="0"/>
+                <a:cs typeface="Arial" panose="020B0604020202020204" pitchFamily="34" charset="0"/>
+              </a:rPr>
+              <a:t>Way of working</a:t>
+            </a:r>
+          </a:p>
+          <a:p>
+            <a:r>
+              <a:rPr lang="en-GB" sz="3200" dirty="0">
+                <a:latin typeface="Arial" panose="020B0604020202020204" pitchFamily="34" charset="0"/>
+                <a:cs typeface="Arial" panose="020B0604020202020204" pitchFamily="34" charset="0"/>
+              </a:rPr>
+              <a:t>- Internal/external deadlines</a:t>
+            </a:r>
+          </a:p>
+          <a:p>
+            <a:r>
+              <a:rPr lang="en-GB" sz="3200" dirty="0">
+                <a:latin typeface="Arial" panose="020B0604020202020204" pitchFamily="34" charset="0"/>
+                <a:cs typeface="Arial" panose="020B0604020202020204" pitchFamily="34" charset="0"/>
+              </a:rPr>
+              <a:t>- Group meetings</a:t>
+            </a:r>
+          </a:p>
+          <a:p>
+            <a:r>
+              <a:rPr lang="en-GB" sz="3200" dirty="0">
+                <a:latin typeface="Arial" panose="020B0604020202020204" pitchFamily="34" charset="0"/>
+                <a:cs typeface="Arial" panose="020B0604020202020204" pitchFamily="34" charset="0"/>
+              </a:rPr>
+              <a:t>- Feedback teacher</a:t>
+            </a:r>
+          </a:p>
+          <a:p>
+            <a:r>
+              <a:rPr lang="en-GB" sz="3200" dirty="0">
+                <a:latin typeface="Arial" panose="020B0604020202020204" pitchFamily="34" charset="0"/>
+                <a:cs typeface="Arial" panose="020B0604020202020204" pitchFamily="34" charset="0"/>
+              </a:rPr>
+              <a:t>- Meeting customer</a:t>
+            </a:r>
+          </a:p>
+        </p:txBody>
+      </p:sp>
+    </p:spTree>
+    <p:extLst>
+      <p:ext uri="{BB962C8B-B14F-4D97-AF65-F5344CB8AC3E}">
+        <p14:creationId xmlns:p14="http://schemas.microsoft.com/office/powerpoint/2010/main" val="1397603856"/>
+      </p:ext>
+    </p:extLst>
+  </p:cSld>
+  <p:clrMapOvr>
+    <a:masterClrMapping/>
+  </p:clrMapOvr>
+  <p:transition>
+    <p:fade/>
+  </p:transition>
 </p:sld>
 </file>
 
 <file path=ppt/slides/slide6.xml><?xml version="1.0" encoding="utf-8"?>
+<p:sld xmlns:a="http://schemas.openxmlformats.org/drawingml/2006/main" xmlns:r="http://schemas.openxmlformats.org/officeDocument/2006/relationships" xmlns:p="http://schemas.openxmlformats.org/presentationml/2006/main">
+  <p:cSld>
+    <p:spTree>
+      <p:nvGrpSpPr>
+        <p:cNvPr id="1" name=""/>
+        <p:cNvGrpSpPr/>
+        <p:nvPr/>
+      </p:nvGrpSpPr>
+      <p:grpSpPr>
+        <a:xfrm>
+          <a:off x="0" y="0"/>
+          <a:ext cx="0" cy="0"/>
+          <a:chOff x="0" y="0"/>
+          <a:chExt cx="0" cy="0"/>
+        </a:xfrm>
+      </p:grpSpPr>
+      <p:pic>
+        <p:nvPicPr>
+          <p:cNvPr id="3074" name="Picture 2" descr="Airios I We build for comfort I Home">
+            <a:extLst>
+              <a:ext uri="{FF2B5EF4-FFF2-40B4-BE49-F238E27FC236}">
+                <a16:creationId xmlns:a16="http://schemas.microsoft.com/office/drawing/2014/main" id="{F04C1FE4-1909-40A5-ACBF-EBDA761AC14D}"/>
+              </a:ext>
+            </a:extLst>
+          </p:cNvPr>
+          <p:cNvPicPr>
+            <a:picLocks noChangeAspect="1" noChangeArrowheads="1"/>
+          </p:cNvPicPr>
+          <p:nvPr/>
+        </p:nvPicPr>
+        <p:blipFill>
+          <a:blip r:embed="rId2">
+            <a:extLst>
+              <a:ext uri="{28A0092B-C50C-407E-A947-70E740481C1C}">
+                <a14:useLocalDpi xmlns:a14="http://schemas.microsoft.com/office/drawing/2010/main" val="0"/>
+              </a:ext>
+            </a:extLst>
+          </a:blip>
+          <a:srcRect/>
+          <a:stretch>
+            <a:fillRect/>
+          </a:stretch>
+        </p:blipFill>
+        <p:spPr bwMode="auto">
+          <a:xfrm>
+            <a:off x="680675" y="5703240"/>
+            <a:ext cx="2551288" cy="1339426"/>
+          </a:xfrm>
+          <a:prstGeom prst="rect">
+            <a:avLst/>
+          </a:prstGeom>
+          <a:noFill/>
+          <a:extLst>
+            <a:ext uri="{909E8E84-426E-40DD-AFC4-6F175D3DCCD1}">
+              <a14:hiddenFill xmlns:a14="http://schemas.microsoft.com/office/drawing/2010/main">
+                <a:solidFill>
+                  <a:srgbClr val="FFFFFF"/>
+                </a:solidFill>
+              </a14:hiddenFill>
+            </a:ext>
+          </a:extLst>
+        </p:spPr>
+      </p:pic>
+      <p:sp>
+        <p:nvSpPr>
+          <p:cNvPr id="4" name="TextBox 3">
+            <a:extLst>
+              <a:ext uri="{FF2B5EF4-FFF2-40B4-BE49-F238E27FC236}">
+                <a16:creationId xmlns:a16="http://schemas.microsoft.com/office/drawing/2014/main" id="{B6CCF1F1-216B-4FDE-8477-127028475E8D}"/>
+              </a:ext>
+            </a:extLst>
+          </p:cNvPr>
+          <p:cNvSpPr txBox="1"/>
+          <p:nvPr/>
+        </p:nvSpPr>
+        <p:spPr>
+          <a:xfrm>
+            <a:off x="587023" y="5518574"/>
+            <a:ext cx="11604977" cy="369332"/>
+          </a:xfrm>
+          <a:prstGeom prst="rect">
+            <a:avLst/>
+          </a:prstGeom>
+          <a:noFill/>
+        </p:spPr>
+        <p:txBody>
+          <a:bodyPr wrap="square" rtlCol="0">
+            <a:spAutoFit/>
+          </a:bodyPr>
+          <a:lstStyle/>
+          <a:p>
+            <a:r>
+              <a:rPr lang="en-GB" dirty="0"/>
+              <a:t>_______________________________________________________________________________________________</a:t>
+            </a:r>
+            <a:endParaRPr lang="en-NL" dirty="0"/>
+          </a:p>
+        </p:txBody>
+      </p:sp>
+      <p:sp>
+        <p:nvSpPr>
+          <p:cNvPr id="5" name="TextBox 4">
+            <a:extLst>
+              <a:ext uri="{FF2B5EF4-FFF2-40B4-BE49-F238E27FC236}">
+                <a16:creationId xmlns:a16="http://schemas.microsoft.com/office/drawing/2014/main" id="{661640DE-50E4-42BC-A92B-1B47BCC26C2A}"/>
+              </a:ext>
+            </a:extLst>
+          </p:cNvPr>
+          <p:cNvSpPr txBox="1"/>
+          <p:nvPr/>
+        </p:nvSpPr>
+        <p:spPr>
+          <a:xfrm>
+            <a:off x="2834530" y="1840050"/>
+            <a:ext cx="6522940" cy="2062103"/>
+          </a:xfrm>
+          <a:prstGeom prst="rect">
+            <a:avLst/>
+          </a:prstGeom>
+          <a:noFill/>
+        </p:spPr>
+        <p:txBody>
+          <a:bodyPr wrap="none" rtlCol="0">
+            <a:spAutoFit/>
+          </a:bodyPr>
+          <a:lstStyle/>
+          <a:p>
+            <a:r>
+              <a:rPr lang="en-GB" sz="3200" b="1" dirty="0">
+                <a:latin typeface="Arial" panose="020B0604020202020204" pitchFamily="34" charset="0"/>
+                <a:cs typeface="Arial" panose="020B0604020202020204" pitchFamily="34" charset="0"/>
+              </a:rPr>
+              <a:t>Teamwork challenges</a:t>
+            </a:r>
+          </a:p>
+          <a:p>
+            <a:pPr marL="457200" indent="-457200">
+              <a:buFontTx/>
+              <a:buChar char="-"/>
+            </a:pPr>
+            <a:r>
+              <a:rPr lang="en-GB" sz="3200" dirty="0">
+                <a:latin typeface="Arial" panose="020B0604020202020204" pitchFamily="34" charset="0"/>
+                <a:cs typeface="Arial" panose="020B0604020202020204" pitchFamily="34" charset="0"/>
+              </a:rPr>
+              <a:t>Unexpected new way of working</a:t>
+            </a:r>
+          </a:p>
+          <a:p>
+            <a:pPr marL="457200" indent="-457200">
+              <a:buFontTx/>
+              <a:buChar char="-"/>
+            </a:pPr>
+            <a:r>
+              <a:rPr lang="en-GB" sz="3200" dirty="0">
+                <a:latin typeface="Arial" panose="020B0604020202020204" pitchFamily="34" charset="0"/>
+                <a:cs typeface="Arial" panose="020B0604020202020204" pitchFamily="34" charset="0"/>
+              </a:rPr>
+              <a:t>Working long distance</a:t>
+            </a:r>
+          </a:p>
+          <a:p>
+            <a:pPr marL="457200" indent="-457200">
+              <a:buFontTx/>
+              <a:buChar char="-"/>
+            </a:pPr>
+            <a:r>
+              <a:rPr lang="en-GB" sz="3200" dirty="0">
+                <a:latin typeface="Arial" panose="020B0604020202020204" pitchFamily="34" charset="0"/>
+                <a:cs typeface="Arial" panose="020B0604020202020204" pitchFamily="34" charset="0"/>
+              </a:rPr>
+              <a:t>Teammate leaving</a:t>
+            </a:r>
+          </a:p>
+        </p:txBody>
+      </p:sp>
+    </p:spTree>
+    <p:extLst>
+      <p:ext uri="{BB962C8B-B14F-4D97-AF65-F5344CB8AC3E}">
+        <p14:creationId xmlns:p14="http://schemas.microsoft.com/office/powerpoint/2010/main" val="1575927270"/>
+      </p:ext>
+    </p:extLst>
+  </p:cSld>
+  <p:clrMapOvr>
+    <a:masterClrMapping/>
+  </p:clrMapOvr>
+  <p:transition>
+    <p:fade/>
+  </p:transition>
+</p:sld>
+</file>
+
+<file path=ppt/slides/slide7.xml><?xml version="1.0" encoding="utf-8"?>
+<p:sld xmlns:a="http://schemas.openxmlformats.org/drawingml/2006/main" xmlns:r="http://schemas.openxmlformats.org/officeDocument/2006/relationships" xmlns:p="http://schemas.openxmlformats.org/presentationml/2006/main">
+  <p:cSld>
+    <p:spTree>
+      <p:nvGrpSpPr>
+        <p:cNvPr id="1" name=""/>
+        <p:cNvGrpSpPr/>
+        <p:nvPr/>
+      </p:nvGrpSpPr>
+      <p:grpSpPr>
+        <a:xfrm>
+          <a:off x="0" y="0"/>
+          <a:ext cx="0" cy="0"/>
+          <a:chOff x="0" y="0"/>
+          <a:chExt cx="0" cy="0"/>
+        </a:xfrm>
+      </p:grpSpPr>
+      <p:pic>
+        <p:nvPicPr>
+          <p:cNvPr id="3074" name="Picture 2" descr="Airios I We build for comfort I Home">
+            <a:extLst>
+              <a:ext uri="{FF2B5EF4-FFF2-40B4-BE49-F238E27FC236}">
+                <a16:creationId xmlns:a16="http://schemas.microsoft.com/office/drawing/2014/main" id="{F04C1FE4-1909-40A5-ACBF-EBDA761AC14D}"/>
+              </a:ext>
+            </a:extLst>
+          </p:cNvPr>
+          <p:cNvPicPr>
+            <a:picLocks noChangeAspect="1" noChangeArrowheads="1"/>
+          </p:cNvPicPr>
+          <p:nvPr/>
+        </p:nvPicPr>
+        <p:blipFill>
+          <a:blip r:embed="rId2">
+            <a:extLst>
+              <a:ext uri="{28A0092B-C50C-407E-A947-70E740481C1C}">
+                <a14:useLocalDpi xmlns:a14="http://schemas.microsoft.com/office/drawing/2010/main" val="0"/>
+              </a:ext>
+            </a:extLst>
+          </a:blip>
+          <a:srcRect/>
+          <a:stretch>
+            <a:fillRect/>
+          </a:stretch>
+        </p:blipFill>
+        <p:spPr bwMode="auto">
+          <a:xfrm>
+            <a:off x="680675" y="5703240"/>
+            <a:ext cx="2551288" cy="1339426"/>
+          </a:xfrm>
+          <a:prstGeom prst="rect">
+            <a:avLst/>
+          </a:prstGeom>
+          <a:noFill/>
+          <a:extLst>
+            <a:ext uri="{909E8E84-426E-40DD-AFC4-6F175D3DCCD1}">
+              <a14:hiddenFill xmlns:a14="http://schemas.microsoft.com/office/drawing/2010/main">
+                <a:solidFill>
+                  <a:srgbClr val="FFFFFF"/>
+                </a:solidFill>
+              </a14:hiddenFill>
+            </a:ext>
+          </a:extLst>
+        </p:spPr>
+      </p:pic>
+      <p:sp>
+        <p:nvSpPr>
+          <p:cNvPr id="4" name="TextBox 3">
+            <a:extLst>
+              <a:ext uri="{FF2B5EF4-FFF2-40B4-BE49-F238E27FC236}">
+                <a16:creationId xmlns:a16="http://schemas.microsoft.com/office/drawing/2014/main" id="{B6CCF1F1-216B-4FDE-8477-127028475E8D}"/>
+              </a:ext>
+            </a:extLst>
+          </p:cNvPr>
+          <p:cNvSpPr txBox="1"/>
+          <p:nvPr/>
+        </p:nvSpPr>
+        <p:spPr>
+          <a:xfrm>
+            <a:off x="587023" y="5518574"/>
+            <a:ext cx="11604977" cy="369332"/>
+          </a:xfrm>
+          <a:prstGeom prst="rect">
+            <a:avLst/>
+          </a:prstGeom>
+          <a:noFill/>
+        </p:spPr>
+        <p:txBody>
+          <a:bodyPr wrap="square" rtlCol="0">
+            <a:spAutoFit/>
+          </a:bodyPr>
+          <a:lstStyle/>
+          <a:p>
+            <a:r>
+              <a:rPr lang="en-GB" dirty="0"/>
+              <a:t>_______________________________________________________________________________________________</a:t>
+            </a:r>
+            <a:endParaRPr lang="en-NL" dirty="0"/>
+          </a:p>
+        </p:txBody>
+      </p:sp>
+      <p:sp>
+        <p:nvSpPr>
+          <p:cNvPr id="5" name="TextBox 4">
+            <a:extLst>
+              <a:ext uri="{FF2B5EF4-FFF2-40B4-BE49-F238E27FC236}">
+                <a16:creationId xmlns:a16="http://schemas.microsoft.com/office/drawing/2014/main" id="{85D029AE-3DF9-45F9-812B-8397690E6A18}"/>
+              </a:ext>
+            </a:extLst>
+          </p:cNvPr>
+          <p:cNvSpPr txBox="1"/>
+          <p:nvPr/>
+        </p:nvSpPr>
+        <p:spPr>
+          <a:xfrm>
+            <a:off x="3633788" y="2123735"/>
+            <a:ext cx="5511445" cy="2062103"/>
+          </a:xfrm>
+          <a:prstGeom prst="rect">
+            <a:avLst/>
+          </a:prstGeom>
+          <a:noFill/>
+        </p:spPr>
+        <p:txBody>
+          <a:bodyPr wrap="none" rtlCol="0">
+            <a:spAutoFit/>
+          </a:bodyPr>
+          <a:lstStyle/>
+          <a:p>
+            <a:r>
+              <a:rPr lang="en-GB" sz="3200" b="1" dirty="0">
+                <a:latin typeface="Arial" panose="020B0604020202020204" pitchFamily="34" charset="0"/>
+                <a:cs typeface="Arial" panose="020B0604020202020204" pitchFamily="34" charset="0"/>
+              </a:rPr>
+              <a:t>Configuration management</a:t>
+            </a:r>
+          </a:p>
+          <a:p>
+            <a:pPr marL="457200" indent="-457200">
+              <a:buFontTx/>
+              <a:buChar char="-"/>
+            </a:pPr>
+            <a:r>
+              <a:rPr lang="en-GB" sz="3200" dirty="0">
+                <a:latin typeface="Arial" panose="020B0604020202020204" pitchFamily="34" charset="0"/>
+                <a:cs typeface="Arial" panose="020B0604020202020204" pitchFamily="34" charset="0"/>
+              </a:rPr>
+              <a:t>GIT</a:t>
+            </a:r>
+          </a:p>
+          <a:p>
+            <a:pPr marL="457200" indent="-457200">
+              <a:buFontTx/>
+              <a:buChar char="-"/>
+            </a:pPr>
+            <a:r>
+              <a:rPr lang="en-GB" sz="3200" dirty="0">
+                <a:latin typeface="Arial" panose="020B0604020202020204" pitchFamily="34" charset="0"/>
+                <a:cs typeface="Arial" panose="020B0604020202020204" pitchFamily="34" charset="0"/>
+              </a:rPr>
+              <a:t>Feedback group members</a:t>
+            </a:r>
+          </a:p>
+          <a:p>
+            <a:pPr marL="457200" indent="-457200">
+              <a:buFontTx/>
+              <a:buChar char="-"/>
+            </a:pPr>
+            <a:endParaRPr lang="en-GB" sz="3200" dirty="0">
+              <a:latin typeface="Arial" panose="020B0604020202020204" pitchFamily="34" charset="0"/>
+              <a:cs typeface="Arial" panose="020B0604020202020204" pitchFamily="34" charset="0"/>
+            </a:endParaRPr>
+          </a:p>
+        </p:txBody>
+      </p:sp>
+    </p:spTree>
+    <p:extLst>
+      <p:ext uri="{BB962C8B-B14F-4D97-AF65-F5344CB8AC3E}">
+        <p14:creationId xmlns:p14="http://schemas.microsoft.com/office/powerpoint/2010/main" val="2178574701"/>
+      </p:ext>
+    </p:extLst>
+  </p:cSld>
+  <p:clrMapOvr>
+    <a:masterClrMapping/>
+  </p:clrMapOvr>
+  <p:transition>
+    <p:fade/>
+  </p:transition>
+</p:sld>
+</file>
+
+<file path=ppt/slides/slide8.xml><?xml version="1.0" encoding="utf-8"?>
 <p:sld xmlns:a="http://schemas.openxmlformats.org/drawingml/2006/main" xmlns:r="http://schemas.openxmlformats.org/officeDocument/2006/relationships" xmlns:p="http://schemas.openxmlformats.org/presentationml/2006/main">
   <p:cSld>
     <p:bg>
@@ -4569,182 +5733,7 @@
 </p:sld>
 </file>
 
-<file path=ppt/slides/slide7.xml><?xml version="1.0" encoding="utf-8"?>
-<p:sld xmlns:a="http://schemas.openxmlformats.org/drawingml/2006/main" xmlns:r="http://schemas.openxmlformats.org/officeDocument/2006/relationships" xmlns:p="http://schemas.openxmlformats.org/presentationml/2006/main">
-  <p:cSld>
-    <p:bg>
-      <p:bgPr>
-        <a:blipFill dpi="0" rotWithShape="1">
-          <a:blip r:embed="rId2">
-            <a:alphaModFix amt="50000"/>
-            <a:lum/>
-          </a:blip>
-          <a:srcRect/>
-          <a:stretch>
-            <a:fillRect t="-9000" b="-9000"/>
-          </a:stretch>
-        </a:blipFill>
-        <a:effectLst/>
-      </p:bgPr>
-    </p:bg>
-    <p:spTree>
-      <p:nvGrpSpPr>
-        <p:cNvPr id="1" name=""/>
-        <p:cNvGrpSpPr/>
-        <p:nvPr/>
-      </p:nvGrpSpPr>
-      <p:grpSpPr>
-        <a:xfrm>
-          <a:off x="0" y="0"/>
-          <a:ext cx="0" cy="0"/>
-          <a:chOff x="0" y="0"/>
-          <a:chExt cx="0" cy="0"/>
-        </a:xfrm>
-      </p:grpSpPr>
-      <p:sp>
-        <p:nvSpPr>
-          <p:cNvPr id="6" name="TextBox 5">
-            <a:extLst>
-              <a:ext uri="{FF2B5EF4-FFF2-40B4-BE49-F238E27FC236}">
-                <a16:creationId xmlns:a16="http://schemas.microsoft.com/office/drawing/2014/main" id="{36187531-5956-4211-BD01-9B7650C16510}"/>
-              </a:ext>
-            </a:extLst>
-          </p:cNvPr>
-          <p:cNvSpPr txBox="1"/>
-          <p:nvPr/>
-        </p:nvSpPr>
-        <p:spPr>
-          <a:xfrm>
-            <a:off x="2202801" y="1287621"/>
-            <a:ext cx="9637746" cy="4647426"/>
-          </a:xfrm>
-          <a:prstGeom prst="rect">
-            <a:avLst/>
-          </a:prstGeom>
-          <a:noFill/>
-          <a:effectLst>
-            <a:outerShdw blurRad="50800" dist="38100" dir="8100000" algn="tr" rotWithShape="0">
-              <a:prstClr val="black">
-                <a:alpha val="40000"/>
-              </a:prstClr>
-            </a:outerShdw>
-          </a:effectLst>
-        </p:spPr>
-        <p:txBody>
-          <a:bodyPr wrap="square" rtlCol="0">
-            <a:spAutoFit/>
-          </a:bodyPr>
-          <a:lstStyle/>
-          <a:p>
-            <a:r>
-              <a:rPr lang="en-GB" sz="4400" dirty="0">
-                <a:latin typeface="Acumin Pro Wide Extra Light" panose="020B0305020202020204" pitchFamily="34" charset="0"/>
-              </a:rPr>
-              <a:t>System context</a:t>
-            </a:r>
-          </a:p>
-          <a:p>
-            <a:pPr marL="571500" indent="-571500">
-              <a:buFont typeface="Wingdings" panose="05000000000000000000" pitchFamily="2" charset="2"/>
-              <a:buChar char="§"/>
-            </a:pPr>
-            <a:r>
-              <a:rPr lang="en-GB" sz="3600" dirty="0">
-                <a:latin typeface="Acumin Pro Wide Thin" panose="020B0205020202020204" pitchFamily="34" charset="0"/>
-              </a:rPr>
-              <a:t>Sensors gather data</a:t>
-            </a:r>
-          </a:p>
-          <a:p>
-            <a:pPr marL="571500" indent="-571500">
-              <a:buFont typeface="Wingdings" panose="05000000000000000000" pitchFamily="2" charset="2"/>
-              <a:buChar char="§"/>
-            </a:pPr>
-            <a:r>
-              <a:rPr lang="en-GB" sz="3600" dirty="0">
-                <a:latin typeface="Acumin Pro Wide Thin" panose="020B0205020202020204" pitchFamily="34" charset="0"/>
-              </a:rPr>
-              <a:t>Module sends data</a:t>
-            </a:r>
-          </a:p>
-          <a:p>
-            <a:pPr marL="571500" indent="-571500">
-              <a:buFont typeface="Wingdings" panose="05000000000000000000" pitchFamily="2" charset="2"/>
-              <a:buChar char="§"/>
-            </a:pPr>
-            <a:r>
-              <a:rPr lang="en-GB" sz="3600" dirty="0">
-                <a:latin typeface="Acumin Pro Wide Thin" panose="020B0205020202020204" pitchFamily="34" charset="0"/>
-              </a:rPr>
-              <a:t>Multiple background processes</a:t>
-            </a:r>
-          </a:p>
-          <a:p>
-            <a:pPr marL="571500" indent="-571500">
-              <a:buFont typeface="Wingdings" panose="05000000000000000000" pitchFamily="2" charset="2"/>
-              <a:buChar char="§"/>
-            </a:pPr>
-            <a:r>
-              <a:rPr lang="en-GB" sz="3600" dirty="0">
-                <a:latin typeface="Acumin Pro Wide Thin" panose="020B0205020202020204" pitchFamily="34" charset="0"/>
-              </a:rPr>
-              <a:t>Storing data</a:t>
-            </a:r>
-          </a:p>
-          <a:p>
-            <a:pPr marL="571500" indent="-571500">
-              <a:buFont typeface="Wingdings" panose="05000000000000000000" pitchFamily="2" charset="2"/>
-              <a:buChar char="§"/>
-            </a:pPr>
-            <a:r>
-              <a:rPr lang="en-GB" sz="3600" dirty="0">
-                <a:latin typeface="Acumin Pro Wide Thin" panose="020B0205020202020204" pitchFamily="34" charset="0"/>
-              </a:rPr>
-              <a:t>Visualizing data</a:t>
-            </a:r>
-          </a:p>
-          <a:p>
-            <a:pPr marL="571500" indent="-571500">
-              <a:buFont typeface="Wingdings" panose="05000000000000000000" pitchFamily="2" charset="2"/>
-              <a:buChar char="§"/>
-            </a:pPr>
-            <a:endParaRPr lang="en-GB" sz="3600" dirty="0">
-              <a:latin typeface="Acumin Pro Wide Thin" panose="020B0205020202020204" pitchFamily="34" charset="0"/>
-            </a:endParaRPr>
-          </a:p>
-          <a:p>
-            <a:endParaRPr lang="en-NL" sz="3600" dirty="0">
-              <a:latin typeface="Acumin Pro Wide Thin" panose="020B0205020202020204" pitchFamily="34" charset="0"/>
-            </a:endParaRPr>
-          </a:p>
-        </p:txBody>
-      </p:sp>
-    </p:spTree>
-    <p:extLst>
-      <p:ext uri="{BB962C8B-B14F-4D97-AF65-F5344CB8AC3E}">
-        <p14:creationId xmlns:p14="http://schemas.microsoft.com/office/powerpoint/2010/main" val="2686066295"/>
-      </p:ext>
-    </p:extLst>
-  </p:cSld>
-  <p:clrMapOvr>
-    <a:masterClrMapping/>
-  </p:clrMapOvr>
-  <mc:AlternateContent xmlns:mc="http://schemas.openxmlformats.org/markup-compatibility/2006" xmlns:p14="http://schemas.microsoft.com/office/powerpoint/2010/main">
-    <mc:Choice Requires="p14">
-      <p:transition spd="med" p14:dur="700">
-        <p:fade/>
-      </p:transition>
-    </mc:Choice>
-    <mc:Fallback xmlns="">
-      <p:transition spd="med">
-        <p:fade/>
-      </p:transition>
-    </mc:Fallback>
-  </mc:AlternateContent>
-</p:sld>
-</file>
-
-<file path=ppt/slides/slide8.xml><?xml version="1.0" encoding="utf-8"?>
+<file path=ppt/slides/slide9.xml><?xml version="1.0" encoding="utf-8"?>
 <p:sld xmlns:a="http://schemas.openxmlformats.org/drawingml/2006/main" xmlns:r="http://schemas.openxmlformats.org/officeDocument/2006/relationships" xmlns:p="http://schemas.openxmlformats.org/presentationml/2006/main">
   <p:cSld>
     <p:spTree>
@@ -4763,14 +5752,16 @@
       </p:grpSpPr>
       <p:pic>
         <p:nvPicPr>
-          <p:cNvPr id="3" name="Picture 2" descr="A screenshot of a cell phone&#10;&#10;Description automatically generated">
-            <a:extLst>
-              <a:ext uri="{FF2B5EF4-FFF2-40B4-BE49-F238E27FC236}">
-                <a16:creationId xmlns:a16="http://schemas.microsoft.com/office/drawing/2014/main" id="{674A3E83-911D-4F66-B39C-BE3FDE2B18F7}"/>
-              </a:ext>
-            </a:extLst>
-          </p:cNvPr>
-          <p:cNvPicPr/>
+          <p:cNvPr id="3074" name="Picture 2" descr="Airios I We build for comfort I Home">
+            <a:extLst>
+              <a:ext uri="{FF2B5EF4-FFF2-40B4-BE49-F238E27FC236}">
+                <a16:creationId xmlns:a16="http://schemas.microsoft.com/office/drawing/2014/main" id="{F04C1FE4-1909-40A5-ACBF-EBDA761AC14D}"/>
+              </a:ext>
+            </a:extLst>
+          </p:cNvPr>
+          <p:cNvPicPr>
+            <a:picLocks noChangeAspect="1" noChangeArrowheads="1"/>
+          </p:cNvPicPr>
           <p:nvPr/>
         </p:nvPicPr>
         <p:blipFill>
@@ -4781,193 +5772,204 @@
               </a:ext>
             </a:extLst>
           </a:blip>
+          <a:srcRect/>
           <a:stretch>
             <a:fillRect/>
           </a:stretch>
         </p:blipFill>
-        <p:spPr>
+        <p:spPr bwMode="auto">
           <a:xfrm>
-            <a:off x="3158850" y="817984"/>
-            <a:ext cx="5874300" cy="5222032"/>
+            <a:off x="680675" y="5703240"/>
+            <a:ext cx="2551288" cy="1339426"/>
           </a:xfrm>
           <a:prstGeom prst="rect">
             <a:avLst/>
           </a:prstGeom>
+          <a:noFill/>
+          <a:extLst>
+            <a:ext uri="{909E8E84-426E-40DD-AFC4-6F175D3DCCD1}">
+              <a14:hiddenFill xmlns:a14="http://schemas.microsoft.com/office/drawing/2010/main">
+                <a:solidFill>
+                  <a:srgbClr val="FFFFFF"/>
+                </a:solidFill>
+              </a14:hiddenFill>
+            </a:ext>
+          </a:extLst>
+        </p:spPr>
+      </p:pic>
+      <p:sp>
+        <p:nvSpPr>
+          <p:cNvPr id="4" name="TextBox 3">
+            <a:extLst>
+              <a:ext uri="{FF2B5EF4-FFF2-40B4-BE49-F238E27FC236}">
+                <a16:creationId xmlns:a16="http://schemas.microsoft.com/office/drawing/2014/main" id="{B6CCF1F1-216B-4FDE-8477-127028475E8D}"/>
+              </a:ext>
+            </a:extLst>
+          </p:cNvPr>
+          <p:cNvSpPr txBox="1"/>
+          <p:nvPr/>
+        </p:nvSpPr>
+        <p:spPr>
+          <a:xfrm>
+            <a:off x="587023" y="5518574"/>
+            <a:ext cx="11604977" cy="369332"/>
+          </a:xfrm>
+          <a:prstGeom prst="rect">
+            <a:avLst/>
+          </a:prstGeom>
+          <a:noFill/>
+        </p:spPr>
+        <p:txBody>
+          <a:bodyPr wrap="square" rtlCol="0">
+            <a:spAutoFit/>
+          </a:bodyPr>
+          <a:lstStyle/>
+          <a:p>
+            <a:r>
+              <a:rPr lang="en-GB" dirty="0"/>
+              <a:t>_______________________________________________________________________________________________</a:t>
+            </a:r>
+            <a:endParaRPr lang="en-NL" dirty="0"/>
+          </a:p>
+        </p:txBody>
+      </p:sp>
+      <p:sp>
+        <p:nvSpPr>
+          <p:cNvPr id="5" name="TextBox 4">
+            <a:extLst>
+              <a:ext uri="{FF2B5EF4-FFF2-40B4-BE49-F238E27FC236}">
+                <a16:creationId xmlns:a16="http://schemas.microsoft.com/office/drawing/2014/main" id="{661640DE-50E4-42BC-A92B-1B47BCC26C2A}"/>
+              </a:ext>
+            </a:extLst>
+          </p:cNvPr>
+          <p:cNvSpPr txBox="1"/>
+          <p:nvPr/>
+        </p:nvSpPr>
+        <p:spPr>
+          <a:xfrm>
+            <a:off x="3769081" y="1508856"/>
+            <a:ext cx="4653838" cy="2062103"/>
+          </a:xfrm>
+          <a:prstGeom prst="rect">
+            <a:avLst/>
+          </a:prstGeom>
+          <a:noFill/>
+        </p:spPr>
+        <p:txBody>
+          <a:bodyPr wrap="none" rtlCol="0">
+            <a:spAutoFit/>
+          </a:bodyPr>
+          <a:lstStyle/>
+          <a:p>
+            <a:r>
+              <a:rPr lang="en-GB" sz="3200" b="1" dirty="0">
+                <a:latin typeface="Arial" panose="020B0604020202020204" pitchFamily="34" charset="0"/>
+                <a:cs typeface="Arial" panose="020B0604020202020204" pitchFamily="34" charset="0"/>
+              </a:rPr>
+              <a:t>Technical challenge</a:t>
+            </a:r>
+          </a:p>
+          <a:p>
+            <a:pPr marL="457200" indent="-457200">
+              <a:buFontTx/>
+              <a:buChar char="-"/>
+            </a:pPr>
+            <a:r>
+              <a:rPr lang="en-GB" sz="3200" dirty="0">
+                <a:latin typeface="Arial" panose="020B0604020202020204" pitchFamily="34" charset="0"/>
+                <a:cs typeface="Arial" panose="020B0604020202020204" pitchFamily="34" charset="0"/>
+              </a:rPr>
+              <a:t>Undelivered hardware</a:t>
+            </a:r>
+          </a:p>
+          <a:p>
+            <a:pPr marL="457200" indent="-457200">
+              <a:buFontTx/>
+              <a:buChar char="-"/>
+            </a:pPr>
+            <a:r>
+              <a:rPr lang="en-GB" sz="3200" dirty="0">
+                <a:latin typeface="Arial" panose="020B0604020202020204" pitchFamily="34" charset="0"/>
+                <a:cs typeface="Arial" panose="020B0604020202020204" pitchFamily="34" charset="0"/>
+              </a:rPr>
+              <a:t>Hardware issues</a:t>
+            </a:r>
+          </a:p>
+          <a:p>
+            <a:pPr marL="457200" indent="-457200">
+              <a:buFontTx/>
+              <a:buChar char="-"/>
+            </a:pPr>
+            <a:r>
+              <a:rPr lang="en-GB" sz="3200" dirty="0">
+                <a:latin typeface="Arial" panose="020B0604020202020204" pitchFamily="34" charset="0"/>
+                <a:cs typeface="Arial" panose="020B0604020202020204" pitchFamily="34" charset="0"/>
+              </a:rPr>
+              <a:t>Code bugs</a:t>
+            </a:r>
+          </a:p>
+        </p:txBody>
+      </p:sp>
+      <p:pic>
+        <p:nvPicPr>
+          <p:cNvPr id="1026" name="Picture 2" descr="Priscilla's buddy: Baby bumblebee">
+            <a:extLst>
+              <a:ext uri="{FF2B5EF4-FFF2-40B4-BE49-F238E27FC236}">
+                <a16:creationId xmlns:a16="http://schemas.microsoft.com/office/drawing/2014/main" id="{F8E79211-EECD-4FF0-8B77-5E158CF1EC14}"/>
+              </a:ext>
+            </a:extLst>
+          </p:cNvPr>
+          <p:cNvPicPr>
+            <a:picLocks noChangeAspect="1" noChangeArrowheads="1"/>
+          </p:cNvPicPr>
+          <p:nvPr/>
+        </p:nvPicPr>
+        <p:blipFill>
+          <a:blip r:embed="rId3">
+            <a:extLst>
+              <a:ext uri="{28A0092B-C50C-407E-A947-70E740481C1C}">
+                <a14:useLocalDpi xmlns:a14="http://schemas.microsoft.com/office/drawing/2010/main" val="0"/>
+              </a:ext>
+            </a:extLst>
+          </a:blip>
+          <a:srcRect/>
+          <a:stretch>
+            <a:fillRect/>
+          </a:stretch>
+        </p:blipFill>
+        <p:spPr bwMode="auto">
+          <a:xfrm>
+            <a:off x="1303786" y="6052762"/>
+            <a:ext cx="249974" cy="222666"/>
+          </a:xfrm>
+          <a:prstGeom prst="rect">
+            <a:avLst/>
+          </a:prstGeom>
+          <a:noFill/>
+          <a:extLst>
+            <a:ext uri="{909E8E84-426E-40DD-AFC4-6F175D3DCCD1}">
+              <a14:hiddenFill xmlns:a14="http://schemas.microsoft.com/office/drawing/2010/main">
+                <a:solidFill>
+                  <a:srgbClr val="FFFFFF"/>
+                </a:solidFill>
+              </a14:hiddenFill>
+            </a:ext>
+          </a:extLst>
         </p:spPr>
       </p:pic>
     </p:spTree>
     <p:extLst>
       <p:ext uri="{BB962C8B-B14F-4D97-AF65-F5344CB8AC3E}">
-        <p14:creationId xmlns:p14="http://schemas.microsoft.com/office/powerpoint/2010/main" val="1391400002"/>
+        <p14:creationId xmlns:p14="http://schemas.microsoft.com/office/powerpoint/2010/main" val="3137810052"/>
       </p:ext>
     </p:extLst>
   </p:cSld>
   <p:clrMapOvr>
     <a:masterClrMapping/>
   </p:clrMapOvr>
-  <mc:AlternateContent xmlns:mc="http://schemas.openxmlformats.org/markup-compatibility/2006" xmlns:p159="http://schemas.microsoft.com/office/powerpoint/2015/09/main">
-    <mc:Choice Requires="p159">
-      <p:transition xmlns:p14="http://schemas.microsoft.com/office/powerpoint/2010/main" spd="slow" p14:dur="2000">
-        <p159:morph option="byObject"/>
-      </p:transition>
-    </mc:Choice>
-    <mc:Fallback xmlns="">
-      <p:transition spd="slow">
-        <p:fade/>
-      </p:transition>
-    </mc:Fallback>
-  </mc:AlternateContent>
-</p:sld>
-</file>
-
-<file path=ppt/slides/slide9.xml><?xml version="1.0" encoding="utf-8"?>
-<p:sld xmlns:a="http://schemas.openxmlformats.org/drawingml/2006/main" xmlns:r="http://schemas.openxmlformats.org/officeDocument/2006/relationships" xmlns:p="http://schemas.openxmlformats.org/presentationml/2006/main">
-  <p:cSld>
-    <p:bg>
-      <p:bgPr>
-        <a:blipFill dpi="0" rotWithShape="1">
-          <a:blip r:embed="rId2">
-            <a:alphaModFix amt="50000"/>
-            <a:lum/>
-          </a:blip>
-          <a:srcRect/>
-          <a:stretch>
-            <a:fillRect t="-9000" b="-9000"/>
-          </a:stretch>
-        </a:blipFill>
-        <a:effectLst/>
-      </p:bgPr>
-    </p:bg>
-    <p:spTree>
-      <p:nvGrpSpPr>
-        <p:cNvPr id="1" name=""/>
-        <p:cNvGrpSpPr/>
-        <p:nvPr/>
-      </p:nvGrpSpPr>
-      <p:grpSpPr>
-        <a:xfrm>
-          <a:off x="0" y="0"/>
-          <a:ext cx="0" cy="0"/>
-          <a:chOff x="0" y="0"/>
-          <a:chExt cx="0" cy="0"/>
-        </a:xfrm>
-      </p:grpSpPr>
-      <p:sp>
-        <p:nvSpPr>
-          <p:cNvPr id="6" name="TextBox 5">
-            <a:extLst>
-              <a:ext uri="{FF2B5EF4-FFF2-40B4-BE49-F238E27FC236}">
-                <a16:creationId xmlns:a16="http://schemas.microsoft.com/office/drawing/2014/main" id="{36187531-5956-4211-BD01-9B7650C16510}"/>
-              </a:ext>
-            </a:extLst>
-          </p:cNvPr>
-          <p:cNvSpPr txBox="1"/>
-          <p:nvPr/>
-        </p:nvSpPr>
-        <p:spPr>
-          <a:xfrm>
-            <a:off x="2202801" y="1287621"/>
-            <a:ext cx="9637746" cy="3539430"/>
-          </a:xfrm>
-          <a:prstGeom prst="rect">
-            <a:avLst/>
-          </a:prstGeom>
-          <a:noFill/>
-          <a:effectLst>
-            <a:outerShdw blurRad="50800" dist="38100" dir="8100000" algn="tr" rotWithShape="0">
-              <a:prstClr val="black">
-                <a:alpha val="40000"/>
-              </a:prstClr>
-            </a:outerShdw>
-          </a:effectLst>
-        </p:spPr>
-        <p:txBody>
-          <a:bodyPr wrap="square" rtlCol="0">
-            <a:spAutoFit/>
-          </a:bodyPr>
-          <a:lstStyle/>
-          <a:p>
-            <a:r>
-              <a:rPr lang="en-GB" sz="4400" dirty="0">
-                <a:latin typeface="Acumin Pro Wide Extra Light" panose="020B0305020202020204" pitchFamily="34" charset="0"/>
-              </a:rPr>
-              <a:t>Technical challenges</a:t>
-            </a:r>
-          </a:p>
-          <a:p>
-            <a:pPr marL="571500" indent="-571500">
-              <a:buFont typeface="Wingdings" panose="05000000000000000000" pitchFamily="2" charset="2"/>
-              <a:buChar char="§"/>
-            </a:pPr>
-            <a:r>
-              <a:rPr lang="en-GB" sz="3600" dirty="0">
-                <a:latin typeface="Acumin Pro Wide Thin" panose="020B0205020202020204" pitchFamily="34" charset="0"/>
-              </a:rPr>
-              <a:t>Undelivered hardware</a:t>
-            </a:r>
-          </a:p>
-          <a:p>
-            <a:pPr marL="571500" indent="-571500">
-              <a:buFont typeface="Wingdings" panose="05000000000000000000" pitchFamily="2" charset="2"/>
-              <a:buChar char="§"/>
-            </a:pPr>
-            <a:r>
-              <a:rPr lang="en-GB" sz="3600" dirty="0">
-                <a:latin typeface="Acumin Pro Wide Thin" panose="020B0205020202020204" pitchFamily="34" charset="0"/>
-              </a:rPr>
-              <a:t>Hardware issues</a:t>
-            </a:r>
-          </a:p>
-          <a:p>
-            <a:pPr marL="571500" indent="-571500">
-              <a:buFont typeface="Wingdings" panose="05000000000000000000" pitchFamily="2" charset="2"/>
-              <a:buChar char="§"/>
-            </a:pPr>
-            <a:r>
-              <a:rPr lang="en-GB" sz="3600" dirty="0">
-                <a:latin typeface="Acumin Pro Wide Thin" panose="020B0205020202020204" pitchFamily="34" charset="0"/>
-              </a:rPr>
-              <a:t>Code bugs</a:t>
-            </a:r>
-          </a:p>
-          <a:p>
-            <a:pPr marL="571500" indent="-571500">
-              <a:buFont typeface="Wingdings" panose="05000000000000000000" pitchFamily="2" charset="2"/>
-              <a:buChar char="§"/>
-            </a:pPr>
-            <a:endParaRPr lang="en-GB" sz="3600" dirty="0">
-              <a:latin typeface="Acumin Pro Wide Thin" panose="020B0205020202020204" pitchFamily="34" charset="0"/>
-            </a:endParaRPr>
-          </a:p>
-          <a:p>
-            <a:endParaRPr lang="en-NL" sz="3600" dirty="0">
-              <a:latin typeface="Acumin Pro Wide Thin" panose="020B0205020202020204" pitchFamily="34" charset="0"/>
-            </a:endParaRPr>
-          </a:p>
-        </p:txBody>
-      </p:sp>
-    </p:spTree>
-    <p:extLst>
-      <p:ext uri="{BB962C8B-B14F-4D97-AF65-F5344CB8AC3E}">
-        <p14:creationId xmlns:p14="http://schemas.microsoft.com/office/powerpoint/2010/main" val="2366959739"/>
-      </p:ext>
-    </p:extLst>
-  </p:cSld>
-  <p:clrMapOvr>
-    <a:masterClrMapping/>
-  </p:clrMapOvr>
-  <mc:AlternateContent xmlns:mc="http://schemas.openxmlformats.org/markup-compatibility/2006" xmlns:p14="http://schemas.microsoft.com/office/powerpoint/2010/main">
-    <mc:Choice Requires="p14">
-      <p:transition spd="med" p14:dur="700">
-        <p:fade/>
-      </p:transition>
-    </mc:Choice>
-    <mc:Fallback xmlns="">
-      <p:transition spd="med">
-        <p:fade/>
-      </p:transition>
-    </mc:Fallback>
-  </mc:AlternateContent>
+  <p:transition>
+    <p:fade/>
+  </p:transition>
 </p:sld>
 </file>
 

--- a/docs/SprintDemo/FinalPresentation.pptx
+++ b/docs/SprintDemo/FinalPresentation.pptx
@@ -16,7 +16,8 @@
     <p:sldId id="279" r:id="rId10"/>
     <p:sldId id="277" r:id="rId11"/>
     <p:sldId id="280" r:id="rId12"/>
-    <p:sldId id="282" r:id="rId13"/>
+    <p:sldId id="284" r:id="rId13"/>
+    <p:sldId id="282" r:id="rId14"/>
   </p:sldIdLst>
   <p:sldSz cx="12192000" cy="6858000"/>
   <p:notesSz cx="6858000" cy="9144000"/>
@@ -3518,7 +3519,7 @@
           <p:nvPr/>
         </p:nvPicPr>
         <p:blipFill>
-          <a:blip r:embed="rId2">
+          <a:blip r:embed="rId2" cstate="hqprint">
             <a:extLst>
               <a:ext uri="{28A0092B-C50C-407E-A947-70E740481C1C}">
                 <a14:useLocalDpi xmlns:a14="http://schemas.microsoft.com/office/drawing/2010/main" val="0"/>
@@ -3723,7 +3724,7 @@
           <p:nvPr/>
         </p:nvPicPr>
         <p:blipFill>
-          <a:blip r:embed="rId2">
+          <a:blip r:embed="rId2" cstate="hqprint">
             <a:extLst>
               <a:ext uri="{28A0092B-C50C-407E-A947-70E740481C1C}">
                 <a14:useLocalDpi xmlns:a14="http://schemas.microsoft.com/office/drawing/2010/main" val="0"/>
@@ -3875,7 +3876,189 @@
           <p:nvPr/>
         </p:nvPicPr>
         <p:blipFill>
-          <a:blip r:embed="rId2">
+          <a:blip r:embed="rId2" cstate="hqprint">
+            <a:extLst>
+              <a:ext uri="{28A0092B-C50C-407E-A947-70E740481C1C}">
+                <a14:useLocalDpi xmlns:a14="http://schemas.microsoft.com/office/drawing/2010/main" val="0"/>
+              </a:ext>
+            </a:extLst>
+          </a:blip>
+          <a:srcRect/>
+          <a:stretch>
+            <a:fillRect/>
+          </a:stretch>
+        </p:blipFill>
+        <p:spPr bwMode="auto">
+          <a:xfrm>
+            <a:off x="680675" y="5703240"/>
+            <a:ext cx="2551288" cy="1339426"/>
+          </a:xfrm>
+          <a:prstGeom prst="rect">
+            <a:avLst/>
+          </a:prstGeom>
+          <a:noFill/>
+          <a:extLst>
+            <a:ext uri="{909E8E84-426E-40DD-AFC4-6F175D3DCCD1}">
+              <a14:hiddenFill xmlns:a14="http://schemas.microsoft.com/office/drawing/2010/main">
+                <a:solidFill>
+                  <a:srgbClr val="FFFFFF"/>
+                </a:solidFill>
+              </a14:hiddenFill>
+            </a:ext>
+          </a:extLst>
+        </p:spPr>
+      </p:pic>
+      <p:sp>
+        <p:nvSpPr>
+          <p:cNvPr id="4" name="TextBox 3">
+            <a:extLst>
+              <a:ext uri="{FF2B5EF4-FFF2-40B4-BE49-F238E27FC236}">
+                <a16:creationId xmlns:a16="http://schemas.microsoft.com/office/drawing/2014/main" id="{B6CCF1F1-216B-4FDE-8477-127028475E8D}"/>
+              </a:ext>
+            </a:extLst>
+          </p:cNvPr>
+          <p:cNvSpPr txBox="1"/>
+          <p:nvPr/>
+        </p:nvSpPr>
+        <p:spPr>
+          <a:xfrm>
+            <a:off x="587023" y="5518574"/>
+            <a:ext cx="11604977" cy="369332"/>
+          </a:xfrm>
+          <a:prstGeom prst="rect">
+            <a:avLst/>
+          </a:prstGeom>
+          <a:noFill/>
+        </p:spPr>
+        <p:txBody>
+          <a:bodyPr wrap="square" rtlCol="0">
+            <a:spAutoFit/>
+          </a:bodyPr>
+          <a:lstStyle/>
+          <a:p>
+            <a:r>
+              <a:rPr lang="en-GB" dirty="0"/>
+              <a:t>_______________________________________________________________________________________________</a:t>
+            </a:r>
+            <a:endParaRPr lang="en-NL" dirty="0"/>
+          </a:p>
+        </p:txBody>
+      </p:sp>
+      <p:pic>
+        <p:nvPicPr>
+          <p:cNvPr id="2" name="Picture 1"/>
+          <p:cNvPicPr>
+            <a:picLocks noChangeAspect="1"/>
+          </p:cNvPicPr>
+          <p:nvPr/>
+        </p:nvPicPr>
+        <p:blipFill>
+          <a:blip r:embed="rId3" cstate="hqprint">
+            <a:extLst>
+              <a:ext uri="{28A0092B-C50C-407E-A947-70E740481C1C}">
+                <a14:useLocalDpi xmlns:a14="http://schemas.microsoft.com/office/drawing/2010/main" val="0"/>
+              </a:ext>
+            </a:extLst>
+          </a:blip>
+          <a:stretch>
+            <a:fillRect/>
+          </a:stretch>
+        </p:blipFill>
+        <p:spPr>
+          <a:xfrm>
+            <a:off x="2940241" y="367038"/>
+            <a:ext cx="8376943" cy="5336202"/>
+          </a:xfrm>
+          <a:prstGeom prst="rect">
+            <a:avLst/>
+          </a:prstGeom>
+        </p:spPr>
+      </p:pic>
+      <p:sp>
+        <p:nvSpPr>
+          <p:cNvPr id="3" name="TextBox 2"/>
+          <p:cNvSpPr txBox="1"/>
+          <p:nvPr/>
+        </p:nvSpPr>
+        <p:spPr>
+          <a:xfrm>
+            <a:off x="680675" y="367038"/>
+            <a:ext cx="2624446" cy="584775"/>
+          </a:xfrm>
+          <a:prstGeom prst="rect">
+            <a:avLst/>
+          </a:prstGeom>
+          <a:noFill/>
+        </p:spPr>
+        <p:txBody>
+          <a:bodyPr wrap="square" rtlCol="0">
+            <a:spAutoFit/>
+          </a:bodyPr>
+          <a:lstStyle/>
+          <a:p>
+            <a:r>
+              <a:rPr lang="en-US" sz="3200" b="1" dirty="0">
+                <a:latin typeface="Arial" panose="020B0604020202020204" pitchFamily="34" charset="0"/>
+                <a:cs typeface="Arial" panose="020B0604020202020204" pitchFamily="34" charset="0"/>
+              </a:rPr>
+              <a:t>Demo Setup</a:t>
+            </a:r>
+            <a:endParaRPr lang="en-US" sz="3200" b="1" dirty="0">
+              <a:latin typeface="Arial" panose="020B0604020202020204" pitchFamily="34" charset="0"/>
+              <a:cs typeface="Arial" panose="020B0604020202020204" pitchFamily="34" charset="0"/>
+            </a:endParaRPr>
+          </a:p>
+        </p:txBody>
+      </p:sp>
+    </p:spTree>
+    <p:extLst>
+      <p:ext uri="{BB962C8B-B14F-4D97-AF65-F5344CB8AC3E}">
+        <p14:creationId xmlns:p14="http://schemas.microsoft.com/office/powerpoint/2010/main" val="2903614992"/>
+      </p:ext>
+    </p:extLst>
+  </p:cSld>
+  <p:clrMapOvr>
+    <a:masterClrMapping/>
+  </p:clrMapOvr>
+  <p:transition>
+    <p:fade/>
+  </p:transition>
+</p:sld>
+</file>
+
+<file path=ppt/slides/slide13.xml><?xml version="1.0" encoding="utf-8"?>
+<p:sld xmlns:a="http://schemas.openxmlformats.org/drawingml/2006/main" xmlns:r="http://schemas.openxmlformats.org/officeDocument/2006/relationships" xmlns:p="http://schemas.openxmlformats.org/presentationml/2006/main">
+  <p:cSld>
+    <p:spTree>
+      <p:nvGrpSpPr>
+        <p:cNvPr id="1" name=""/>
+        <p:cNvGrpSpPr/>
+        <p:nvPr/>
+      </p:nvGrpSpPr>
+      <p:grpSpPr>
+        <a:xfrm>
+          <a:off x="0" y="0"/>
+          <a:ext cx="0" cy="0"/>
+          <a:chOff x="0" y="0"/>
+          <a:chExt cx="0" cy="0"/>
+        </a:xfrm>
+      </p:grpSpPr>
+      <p:pic>
+        <p:nvPicPr>
+          <p:cNvPr id="3074" name="Picture 2" descr="Airios I We build for comfort I Home">
+            <a:extLst>
+              <a:ext uri="{FF2B5EF4-FFF2-40B4-BE49-F238E27FC236}">
+                <a16:creationId xmlns:a16="http://schemas.microsoft.com/office/drawing/2014/main" id="{F04C1FE4-1909-40A5-ACBF-EBDA761AC14D}"/>
+              </a:ext>
+            </a:extLst>
+          </p:cNvPr>
+          <p:cNvPicPr>
+            <a:picLocks noChangeAspect="1" noChangeArrowheads="1"/>
+          </p:cNvPicPr>
+          <p:nvPr/>
+        </p:nvPicPr>
+        <p:blipFill>
+          <a:blip r:embed="rId2" cstate="hqprint">
             <a:extLst>
               <a:ext uri="{28A0092B-C50C-407E-A947-70E740481C1C}">
                 <a14:useLocalDpi xmlns:a14="http://schemas.microsoft.com/office/drawing/2010/main" val="0"/>
@@ -4068,7 +4251,7 @@
           <p:nvPr/>
         </p:nvPicPr>
         <p:blipFill>
-          <a:blip r:embed="rId2">
+          <a:blip r:embed="rId2" cstate="hqprint">
             <a:extLst>
               <a:ext uri="{28A0092B-C50C-407E-A947-70E740481C1C}">
                 <a14:useLocalDpi xmlns:a14="http://schemas.microsoft.com/office/drawing/2010/main" val="0"/>
@@ -4644,7 +4827,7 @@
           <p:nvPr/>
         </p:nvPicPr>
         <p:blipFill>
-          <a:blip r:embed="rId2">
+          <a:blip r:embed="rId2" cstate="hqprint">
             <a:extLst>
               <a:ext uri="{28A0092B-C50C-407E-A947-70E740481C1C}">
                 <a14:useLocalDpi xmlns:a14="http://schemas.microsoft.com/office/drawing/2010/main" val="0"/>
@@ -4908,7 +5091,7 @@
           <p:nvPr/>
         </p:nvPicPr>
         <p:blipFill>
-          <a:blip r:embed="rId2">
+          <a:blip r:embed="rId2" cstate="hqprint">
             <a:extLst>
               <a:ext uri="{28A0092B-C50C-407E-A947-70E740481C1C}">
                 <a14:useLocalDpi xmlns:a14="http://schemas.microsoft.com/office/drawing/2010/main" val="0"/>
@@ -5114,7 +5297,7 @@
           <p:nvPr/>
         </p:nvPicPr>
         <p:blipFill>
-          <a:blip r:embed="rId2">
+          <a:blip r:embed="rId2" cstate="hqprint">
             <a:extLst>
               <a:ext uri="{28A0092B-C50C-407E-A947-70E740481C1C}">
                 <a14:useLocalDpi xmlns:a14="http://schemas.microsoft.com/office/drawing/2010/main" val="0"/>
@@ -5304,7 +5487,7 @@
           <p:nvPr/>
         </p:nvPicPr>
         <p:blipFill>
-          <a:blip r:embed="rId2">
+          <a:blip r:embed="rId2" cstate="hqprint">
             <a:extLst>
               <a:ext uri="{28A0092B-C50C-407E-A947-70E740481C1C}">
                 <a14:useLocalDpi xmlns:a14="http://schemas.microsoft.com/office/drawing/2010/main" val="0"/>
@@ -5497,7 +5680,7 @@
           <p:nvPr/>
         </p:nvPicPr>
         <p:blipFill>
-          <a:blip r:embed="rId2">
+          <a:blip r:embed="rId2" cstate="hqprint">
             <a:extLst>
               <a:ext uri="{28A0092B-C50C-407E-A947-70E740481C1C}">
                 <a14:useLocalDpi xmlns:a14="http://schemas.microsoft.com/office/drawing/2010/main" val="0"/>
@@ -5765,7 +5948,7 @@
           <p:nvPr/>
         </p:nvPicPr>
         <p:blipFill>
-          <a:blip r:embed="rId2">
+          <a:blip r:embed="rId2" cstate="hqprint">
             <a:extLst>
               <a:ext uri="{28A0092B-C50C-407E-A947-70E740481C1C}">
                 <a14:useLocalDpi xmlns:a14="http://schemas.microsoft.com/office/drawing/2010/main" val="0"/>
@@ -5925,7 +6108,7 @@
           <p:nvPr/>
         </p:nvPicPr>
         <p:blipFill>
-          <a:blip r:embed="rId3">
+          <a:blip r:embed="rId3" cstate="hqprint">
             <a:extLst>
               <a:ext uri="{28A0092B-C50C-407E-A947-70E740481C1C}">
                 <a14:useLocalDpi xmlns:a14="http://schemas.microsoft.com/office/drawing/2010/main" val="0"/>
